--- a/final_presentation.pptx
+++ b/final_presentation.pptx
@@ -11,16 +11,18 @@
     <p:sldId id="258" r:id="rId5"/>
     <p:sldId id="259" r:id="rId6"/>
     <p:sldId id="266" r:id="rId7"/>
-    <p:sldId id="260" r:id="rId8"/>
+    <p:sldId id="271" r:id="rId8"/>
     <p:sldId id="262" r:id="rId9"/>
-    <p:sldId id="261" r:id="rId10"/>
-    <p:sldId id="265" r:id="rId11"/>
-    <p:sldId id="263" r:id="rId12"/>
-    <p:sldId id="269" r:id="rId13"/>
-    <p:sldId id="264" r:id="rId14"/>
-    <p:sldId id="271" r:id="rId15"/>
+    <p:sldId id="260" r:id="rId10"/>
+    <p:sldId id="261" r:id="rId11"/>
+    <p:sldId id="265" r:id="rId12"/>
+    <p:sldId id="263" r:id="rId13"/>
+    <p:sldId id="269" r:id="rId14"/>
+    <p:sldId id="264" r:id="rId15"/>
     <p:sldId id="267" r:id="rId16"/>
-    <p:sldId id="268" r:id="rId17"/>
+    <p:sldId id="272" r:id="rId17"/>
+    <p:sldId id="273" r:id="rId18"/>
+    <p:sldId id="268" r:id="rId19"/>
   </p:sldIdLst>
   <p:sldSz cx="12192000" cy="6858000"/>
   <p:notesSz cx="6858000" cy="9144000"/>
@@ -284,7 +286,7 @@
           <a:p>
             <a:fld id="{5F6B85D3-0F51-4878-9C35-11F30E61455C}" type="datetimeFigureOut">
               <a:rPr lang="en-US" smtClean="0"/>
-              <a:t>11/20/2018</a:t>
+              <a:t>12/2/2018</a:t>
             </a:fld>
             <a:endParaRPr lang="en-US"/>
           </a:p>
@@ -454,7 +456,7 @@
           <a:p>
             <a:fld id="{5F6B85D3-0F51-4878-9C35-11F30E61455C}" type="datetimeFigureOut">
               <a:rPr lang="en-US" smtClean="0"/>
-              <a:t>11/20/2018</a:t>
+              <a:t>12/2/2018</a:t>
             </a:fld>
             <a:endParaRPr lang="en-US"/>
           </a:p>
@@ -634,7 +636,7 @@
           <a:p>
             <a:fld id="{5F6B85D3-0F51-4878-9C35-11F30E61455C}" type="datetimeFigureOut">
               <a:rPr lang="en-US" smtClean="0"/>
-              <a:t>11/20/2018</a:t>
+              <a:t>12/2/2018</a:t>
             </a:fld>
             <a:endParaRPr lang="en-US"/>
           </a:p>
@@ -804,7 +806,7 @@
           <a:p>
             <a:fld id="{5F6B85D3-0F51-4878-9C35-11F30E61455C}" type="datetimeFigureOut">
               <a:rPr lang="en-US" smtClean="0"/>
-              <a:t>11/20/2018</a:t>
+              <a:t>12/2/2018</a:t>
             </a:fld>
             <a:endParaRPr lang="en-US"/>
           </a:p>
@@ -1050,7 +1052,7 @@
           <a:p>
             <a:fld id="{5F6B85D3-0F51-4878-9C35-11F30E61455C}" type="datetimeFigureOut">
               <a:rPr lang="en-US" smtClean="0"/>
-              <a:t>11/20/2018</a:t>
+              <a:t>12/2/2018</a:t>
             </a:fld>
             <a:endParaRPr lang="en-US"/>
           </a:p>
@@ -1282,7 +1284,7 @@
           <a:p>
             <a:fld id="{5F6B85D3-0F51-4878-9C35-11F30E61455C}" type="datetimeFigureOut">
               <a:rPr lang="en-US" smtClean="0"/>
-              <a:t>11/20/2018</a:t>
+              <a:t>12/2/2018</a:t>
             </a:fld>
             <a:endParaRPr lang="en-US"/>
           </a:p>
@@ -1649,7 +1651,7 @@
           <a:p>
             <a:fld id="{5F6B85D3-0F51-4878-9C35-11F30E61455C}" type="datetimeFigureOut">
               <a:rPr lang="en-US" smtClean="0"/>
-              <a:t>11/20/2018</a:t>
+              <a:t>12/2/2018</a:t>
             </a:fld>
             <a:endParaRPr lang="en-US"/>
           </a:p>
@@ -1767,7 +1769,7 @@
           <a:p>
             <a:fld id="{5F6B85D3-0F51-4878-9C35-11F30E61455C}" type="datetimeFigureOut">
               <a:rPr lang="en-US" smtClean="0"/>
-              <a:t>11/20/2018</a:t>
+              <a:t>12/2/2018</a:t>
             </a:fld>
             <a:endParaRPr lang="en-US"/>
           </a:p>
@@ -1862,7 +1864,7 @@
           <a:p>
             <a:fld id="{5F6B85D3-0F51-4878-9C35-11F30E61455C}" type="datetimeFigureOut">
               <a:rPr lang="en-US" smtClean="0"/>
-              <a:t>11/20/2018</a:t>
+              <a:t>12/2/2018</a:t>
             </a:fld>
             <a:endParaRPr lang="en-US"/>
           </a:p>
@@ -2139,7 +2141,7 @@
           <a:p>
             <a:fld id="{5F6B85D3-0F51-4878-9C35-11F30E61455C}" type="datetimeFigureOut">
               <a:rPr lang="en-US" smtClean="0"/>
-              <a:t>11/20/2018</a:t>
+              <a:t>12/2/2018</a:t>
             </a:fld>
             <a:endParaRPr lang="en-US"/>
           </a:p>
@@ -2392,7 +2394,7 @@
           <a:p>
             <a:fld id="{5F6B85D3-0F51-4878-9C35-11F30E61455C}" type="datetimeFigureOut">
               <a:rPr lang="en-US" smtClean="0"/>
-              <a:t>11/20/2018</a:t>
+              <a:t>12/2/2018</a:t>
             </a:fld>
             <a:endParaRPr lang="en-US"/>
           </a:p>
@@ -2605,7 +2607,7 @@
           <a:p>
             <a:fld id="{5F6B85D3-0F51-4878-9C35-11F30E61455C}" type="datetimeFigureOut">
               <a:rPr lang="en-US" smtClean="0"/>
-              <a:t>11/20/2018</a:t>
+              <a:t>12/2/2018</a:t>
             </a:fld>
             <a:endParaRPr lang="en-US"/>
           </a:p>
@@ -3202,30 +3204,6 @@
           <a:chExt cx="0" cy="0"/>
         </a:xfrm>
       </p:grpSpPr>
-      <p:pic>
-        <p:nvPicPr>
-          <p:cNvPr id="7" name="Picture 6"/>
-          <p:cNvPicPr>
-            <a:picLocks noChangeAspect="1"/>
-          </p:cNvPicPr>
-          <p:nvPr/>
-        </p:nvPicPr>
-        <p:blipFill>
-          <a:blip r:embed="rId2"/>
-          <a:stretch>
-            <a:fillRect/>
-          </a:stretch>
-        </p:blipFill>
-        <p:spPr>
-          <a:xfrm>
-            <a:off x="7926757" y="4127496"/>
-            <a:ext cx="4316999" cy="2606740"/>
-          </a:xfrm>
-          <a:prstGeom prst="rect">
-            <a:avLst/>
-          </a:prstGeom>
-        </p:spPr>
-      </p:pic>
       <p:sp>
         <p:nvSpPr>
           <p:cNvPr id="4" name="Rectangle 3"/>
@@ -3302,7 +3280,7 @@
                   <a:schemeClr val="bg1"/>
                 </a:solidFill>
               </a:rPr>
-              <a:t>Wireframes</a:t>
+              <a:t>Technologies</a:t>
             </a:r>
             <a:endParaRPr lang="en-US" sz="4500" b="1" dirty="0">
               <a:solidFill>
@@ -3312,57 +3290,276 @@
           </a:p>
         </p:txBody>
       </p:sp>
+      <p:sp>
+        <p:nvSpPr>
+          <p:cNvPr id="7" name="Round Diagonal Corner Rectangle 6"/>
+          <p:cNvSpPr/>
+          <p:nvPr/>
+        </p:nvSpPr>
+        <p:spPr>
+          <a:xfrm>
+            <a:off x="2510740" y="2717422"/>
+            <a:ext cx="8047992" cy="752292"/>
+          </a:xfrm>
+          <a:prstGeom prst="round2DiagRect">
+            <a:avLst>
+              <a:gd name="adj1" fmla="val 50000"/>
+              <a:gd name="adj2" fmla="val 0"/>
+            </a:avLst>
+          </a:prstGeom>
+        </p:spPr>
+        <p:style>
+          <a:lnRef idx="2">
+            <a:schemeClr val="dk1">
+              <a:shade val="50000"/>
+            </a:schemeClr>
+          </a:lnRef>
+          <a:fillRef idx="1">
+            <a:schemeClr val="dk1"/>
+          </a:fillRef>
+          <a:effectRef idx="0">
+            <a:schemeClr val="dk1"/>
+          </a:effectRef>
+          <a:fontRef idx="minor">
+            <a:schemeClr val="lt1"/>
+          </a:fontRef>
+        </p:style>
+        <p:txBody>
+          <a:bodyPr rtlCol="0" anchor="ctr"/>
+          <a:lstStyle/>
+          <a:p>
+            <a:pPr algn="ctr"/>
+            <a:r>
+              <a:rPr lang="en-US" dirty="0" smtClean="0"/>
+              <a:t>Used to give the HTML5 pages some personality. Users react strongly to a visually stunning page rather than a pure black and white page full of text.</a:t>
+            </a:r>
+            <a:endParaRPr lang="en-US" dirty="0"/>
+          </a:p>
+        </p:txBody>
+      </p:sp>
       <p:pic>
         <p:nvPicPr>
-          <p:cNvPr id="5" name="Picture 4"/>
+          <p:cNvPr id="1026" name="Picture 2" descr="Image result for css3 log0"/>
           <p:cNvPicPr>
-            <a:picLocks noChangeAspect="1"/>
-          </p:cNvPicPr>
-          <p:nvPr/>
-        </p:nvPicPr>
-        <p:blipFill rotWithShape="1">
-          <a:blip r:embed="rId3"/>
-          <a:srcRect r="2064" b="1024"/>
-          <a:stretch/>
-        </p:blipFill>
-        <p:spPr>
-          <a:xfrm>
-            <a:off x="3993572" y="2432646"/>
-            <a:ext cx="4192437" cy="2794961"/>
-          </a:xfrm>
-          <a:prstGeom prst="rect">
-            <a:avLst/>
-          </a:prstGeom>
-        </p:spPr>
-      </p:pic>
-      <p:pic>
-        <p:nvPicPr>
-          <p:cNvPr id="6" name="Picture 5"/>
-          <p:cNvPicPr>
-            <a:picLocks noChangeAspect="1"/>
+            <a:picLocks noChangeAspect="1" noChangeArrowheads="1"/>
           </p:cNvPicPr>
           <p:nvPr/>
         </p:nvPicPr>
         <p:blipFill>
-          <a:blip r:embed="rId4"/>
+          <a:blip r:embed="rId2">
+            <a:extLst>
+              <a:ext uri="{28A0092B-C50C-407E-A947-70E740481C1C}">
+                <a14:useLocalDpi xmlns:a14="http://schemas.microsoft.com/office/drawing/2010/main" val="0"/>
+              </a:ext>
+            </a:extLst>
+          </a:blip>
+          <a:srcRect/>
           <a:stretch>
             <a:fillRect/>
           </a:stretch>
         </p:blipFill>
-        <p:spPr>
-          <a:xfrm>
-            <a:off x="160109" y="3666225"/>
-            <a:ext cx="4092714" cy="2823877"/>
+        <p:spPr bwMode="auto">
+          <a:xfrm>
+            <a:off x="1631223" y="2376635"/>
+            <a:ext cx="1033732" cy="1233452"/>
           </a:xfrm>
           <a:prstGeom prst="rect">
             <a:avLst/>
           </a:prstGeom>
+          <a:noFill/>
+          <a:extLst>
+            <a:ext uri="{909E8E84-426E-40DD-AFC4-6F175D3DCCD1}">
+              <a14:hiddenFill xmlns:a14="http://schemas.microsoft.com/office/drawing/2010/main">
+                <a:solidFill>
+                  <a:srgbClr val="FFFFFF"/>
+                </a:solidFill>
+              </a14:hiddenFill>
+            </a:ext>
+          </a:extLst>
+        </p:spPr>
+      </p:pic>
+      <p:sp>
+        <p:nvSpPr>
+          <p:cNvPr id="10" name="Round Diagonal Corner Rectangle 9"/>
+          <p:cNvSpPr/>
+          <p:nvPr/>
+        </p:nvSpPr>
+        <p:spPr>
+          <a:xfrm>
+            <a:off x="2510740" y="4040099"/>
+            <a:ext cx="8047992" cy="860852"/>
+          </a:xfrm>
+          <a:prstGeom prst="round2DiagRect">
+            <a:avLst>
+              <a:gd name="adj1" fmla="val 50000"/>
+              <a:gd name="adj2" fmla="val 0"/>
+            </a:avLst>
+          </a:prstGeom>
+        </p:spPr>
+        <p:style>
+          <a:lnRef idx="2">
+            <a:schemeClr val="dk1">
+              <a:shade val="50000"/>
+            </a:schemeClr>
+          </a:lnRef>
+          <a:fillRef idx="1">
+            <a:schemeClr val="dk1"/>
+          </a:fillRef>
+          <a:effectRef idx="0">
+            <a:schemeClr val="dk1"/>
+          </a:effectRef>
+          <a:fontRef idx="minor">
+            <a:schemeClr val="lt1"/>
+          </a:fontRef>
+        </p:style>
+        <p:txBody>
+          <a:bodyPr rtlCol="0" anchor="ctr"/>
+          <a:lstStyle/>
+          <a:p>
+            <a:r>
+              <a:rPr lang="en-US" dirty="0" smtClean="0"/>
+              <a:t>Used to allow generic users an interface to access our website. The pages will be created in a way such that they allow the user to intuitively know where the locations of various links to different pages are located.</a:t>
+            </a:r>
+            <a:endParaRPr lang="en-US" b="0" dirty="0" smtClean="0">
+              <a:effectLst/>
+            </a:endParaRPr>
+          </a:p>
+        </p:txBody>
+      </p:sp>
+      <p:pic>
+        <p:nvPicPr>
+          <p:cNvPr id="1028" name="Picture 4" descr="Image result for html5"/>
+          <p:cNvPicPr>
+            <a:picLocks noChangeAspect="1" noChangeArrowheads="1"/>
+          </p:cNvPicPr>
+          <p:nvPr/>
+        </p:nvPicPr>
+        <p:blipFill>
+          <a:blip r:embed="rId3" cstate="print">
+            <a:extLst>
+              <a:ext uri="{28A0092B-C50C-407E-A947-70E740481C1C}">
+                <a14:useLocalDpi xmlns:a14="http://schemas.microsoft.com/office/drawing/2010/main" val="0"/>
+              </a:ext>
+            </a:extLst>
+          </a:blip>
+          <a:srcRect/>
+          <a:stretch>
+            <a:fillRect/>
+          </a:stretch>
+        </p:blipFill>
+        <p:spPr bwMode="auto">
+          <a:xfrm>
+            <a:off x="1449915" y="3720282"/>
+            <a:ext cx="1457263" cy="1457263"/>
+          </a:xfrm>
+          <a:prstGeom prst="rect">
+            <a:avLst/>
+          </a:prstGeom>
+          <a:noFill/>
+          <a:extLst>
+            <a:ext uri="{909E8E84-426E-40DD-AFC4-6F175D3DCCD1}">
+              <a14:hiddenFill xmlns:a14="http://schemas.microsoft.com/office/drawing/2010/main">
+                <a:solidFill>
+                  <a:srgbClr val="FFFFFF"/>
+                </a:solidFill>
+              </a14:hiddenFill>
+            </a:ext>
+          </a:extLst>
+        </p:spPr>
+      </p:pic>
+      <p:sp>
+        <p:nvSpPr>
+          <p:cNvPr id="16" name="Round Diagonal Corner Rectangle 15"/>
+          <p:cNvSpPr/>
+          <p:nvPr/>
+        </p:nvSpPr>
+        <p:spPr>
+          <a:xfrm>
+            <a:off x="2510740" y="5317504"/>
+            <a:ext cx="8047992" cy="860852"/>
+          </a:xfrm>
+          <a:prstGeom prst="round2DiagRect">
+            <a:avLst>
+              <a:gd name="adj1" fmla="val 50000"/>
+              <a:gd name="adj2" fmla="val 0"/>
+            </a:avLst>
+          </a:prstGeom>
+        </p:spPr>
+        <p:style>
+          <a:lnRef idx="2">
+            <a:schemeClr val="dk1">
+              <a:shade val="50000"/>
+            </a:schemeClr>
+          </a:lnRef>
+          <a:fillRef idx="1">
+            <a:schemeClr val="dk1"/>
+          </a:fillRef>
+          <a:effectRef idx="0">
+            <a:schemeClr val="dk1"/>
+          </a:effectRef>
+          <a:fontRef idx="minor">
+            <a:schemeClr val="lt1"/>
+          </a:fontRef>
+        </p:style>
+        <p:txBody>
+          <a:bodyPr rtlCol="0" anchor="ctr"/>
+          <a:lstStyle/>
+          <a:p>
+            <a:r>
+              <a:rPr lang="en-US" dirty="0" smtClean="0"/>
+              <a:t>Used to add interactivity to the web page and dynamically load in data.</a:t>
+            </a:r>
+            <a:endParaRPr lang="en-US" b="0" dirty="0" smtClean="0">
+              <a:effectLst/>
+            </a:endParaRPr>
+          </a:p>
+        </p:txBody>
+      </p:sp>
+      <p:pic>
+        <p:nvPicPr>
+          <p:cNvPr id="1032" name="Picture 8" descr="Image result for javascript logo"/>
+          <p:cNvPicPr>
+            <a:picLocks noChangeAspect="1" noChangeArrowheads="1"/>
+          </p:cNvPicPr>
+          <p:nvPr/>
+        </p:nvPicPr>
+        <p:blipFill>
+          <a:blip r:embed="rId4">
+            <a:extLst>
+              <a:ext uri="{28A0092B-C50C-407E-A947-70E740481C1C}">
+                <a14:useLocalDpi xmlns:a14="http://schemas.microsoft.com/office/drawing/2010/main" val="0"/>
+              </a:ext>
+            </a:extLst>
+          </a:blip>
+          <a:srcRect/>
+          <a:stretch>
+            <a:fillRect/>
+          </a:stretch>
+        </p:blipFill>
+        <p:spPr bwMode="auto">
+          <a:xfrm>
+            <a:off x="1449915" y="5246646"/>
+            <a:ext cx="1449013" cy="1449013"/>
+          </a:xfrm>
+          <a:prstGeom prst="rect">
+            <a:avLst/>
+          </a:prstGeom>
+          <a:noFill/>
+          <a:extLst>
+            <a:ext uri="{909E8E84-426E-40DD-AFC4-6F175D3DCCD1}">
+              <a14:hiddenFill xmlns:a14="http://schemas.microsoft.com/office/drawing/2010/main">
+                <a:solidFill>
+                  <a:srgbClr val="FFFFFF"/>
+                </a:solidFill>
+              </a14:hiddenFill>
+            </a:ext>
+          </a:extLst>
         </p:spPr>
       </p:pic>
     </p:spTree>
     <p:extLst>
       <p:ext uri="{BB962C8B-B14F-4D97-AF65-F5344CB8AC3E}">
-        <p14:creationId xmlns:p14="http://schemas.microsoft.com/office/powerpoint/2010/main" val="15269772"/>
+        <p14:creationId xmlns:p14="http://schemas.microsoft.com/office/powerpoint/2010/main" val="698960501"/>
       </p:ext>
     </p:extLst>
   </p:cSld>
@@ -3396,32 +3593,30 @@
           <a:chExt cx="0" cy="0"/>
         </a:xfrm>
       </p:grpSpPr>
-      <p:sp>
-        <p:nvSpPr>
-          <p:cNvPr id="3" name="Subtitle 2"/>
-          <p:cNvSpPr>
-            <a:spLocks noGrp="1"/>
-          </p:cNvSpPr>
-          <p:nvPr>
-            <p:ph type="subTitle" idx="1"/>
-          </p:nvPr>
-        </p:nvSpPr>
-        <p:spPr>
-          <a:xfrm>
-            <a:off x="1251284" y="3521827"/>
-            <a:ext cx="9529011" cy="2381667"/>
-          </a:xfrm>
-        </p:spPr>
-        <p:txBody>
-          <a:bodyPr>
-            <a:normAutofit/>
-          </a:bodyPr>
-          <a:lstStyle/>
-          <a:p>
-            <a:endParaRPr lang="en-US" dirty="0"/>
-          </a:p>
-        </p:txBody>
-      </p:sp>
+      <p:pic>
+        <p:nvPicPr>
+          <p:cNvPr id="7" name="Picture 6"/>
+          <p:cNvPicPr>
+            <a:picLocks noChangeAspect="1"/>
+          </p:cNvPicPr>
+          <p:nvPr/>
+        </p:nvPicPr>
+        <p:blipFill>
+          <a:blip r:embed="rId2"/>
+          <a:stretch>
+            <a:fillRect/>
+          </a:stretch>
+        </p:blipFill>
+        <p:spPr>
+          <a:xfrm>
+            <a:off x="7926757" y="4127496"/>
+            <a:ext cx="4316999" cy="2606740"/>
+          </a:xfrm>
+          <a:prstGeom prst="rect">
+            <a:avLst/>
+          </a:prstGeom>
+        </p:spPr>
+      </p:pic>
       <p:sp>
         <p:nvSpPr>
           <p:cNvPr id="4" name="Rectangle 3"/>
@@ -3431,7 +3626,7 @@
         <p:spPr>
           <a:xfrm>
             <a:off x="0" y="0"/>
-            <a:ext cx="12192000" cy="6858000"/>
+            <a:ext cx="12192000" cy="2310063"/>
           </a:xfrm>
           <a:prstGeom prst="rect">
             <a:avLst/>
@@ -3482,7 +3677,7 @@
         </p:nvSpPr>
         <p:spPr>
           <a:xfrm>
-            <a:off x="1311669" y="2786332"/>
+            <a:off x="1251284" y="664234"/>
             <a:ext cx="9144000" cy="829437"/>
           </a:xfrm>
         </p:spPr>
@@ -3498,7 +3693,7 @@
                   <a:schemeClr val="bg1"/>
                 </a:solidFill>
               </a:rPr>
-              <a:t>Backend Design</a:t>
+              <a:t>Wireframes</a:t>
             </a:r>
             <a:endParaRPr lang="en-US" sz="4500" b="1" dirty="0">
               <a:solidFill>
@@ -3508,60 +3703,57 @@
           </a:p>
         </p:txBody>
       </p:sp>
-      <p:sp>
-        <p:nvSpPr>
-          <p:cNvPr id="5" name="TextBox 4"/>
-          <p:cNvSpPr txBox="1"/>
+      <p:pic>
+        <p:nvPicPr>
+          <p:cNvPr id="5" name="Picture 4"/>
+          <p:cNvPicPr>
+            <a:picLocks noChangeAspect="1"/>
+          </p:cNvPicPr>
           <p:nvPr/>
-        </p:nvSpPr>
-        <p:spPr>
-          <a:xfrm>
-            <a:off x="4739079" y="3523126"/>
-            <a:ext cx="2553419" cy="584775"/>
+        </p:nvPicPr>
+        <p:blipFill rotWithShape="1">
+          <a:blip r:embed="rId3"/>
+          <a:srcRect r="2064" b="1024"/>
+          <a:stretch/>
+        </p:blipFill>
+        <p:spPr>
+          <a:xfrm>
+            <a:off x="3993572" y="2432646"/>
+            <a:ext cx="4192437" cy="2794961"/>
           </a:xfrm>
           <a:prstGeom prst="rect">
             <a:avLst/>
           </a:prstGeom>
-          <a:noFill/>
-        </p:spPr>
-        <p:txBody>
-          <a:bodyPr wrap="square" rtlCol="0">
-            <a:spAutoFit/>
-          </a:bodyPr>
-          <a:lstStyle/>
-          <a:p>
-            <a:pPr algn="ctr"/>
-            <a:r>
-              <a:rPr lang="en-US" sz="1600" dirty="0" smtClean="0">
-                <a:solidFill>
-                  <a:schemeClr val="bg1"/>
-                </a:solidFill>
-              </a:rPr>
-              <a:t>Carolyn Zhang</a:t>
-            </a:r>
-          </a:p>
-          <a:p>
-            <a:pPr algn="ctr"/>
-            <a:r>
-              <a:rPr lang="en-US" sz="1600" dirty="0" smtClean="0">
-                <a:solidFill>
-                  <a:schemeClr val="bg1"/>
-                </a:solidFill>
-              </a:rPr>
-              <a:t>Jon-Luke Williams</a:t>
-            </a:r>
-            <a:endParaRPr lang="en-US" sz="1600" dirty="0">
-              <a:solidFill>
-                <a:schemeClr val="bg1"/>
-              </a:solidFill>
-            </a:endParaRPr>
-          </a:p>
-        </p:txBody>
-      </p:sp>
+        </p:spPr>
+      </p:pic>
+      <p:pic>
+        <p:nvPicPr>
+          <p:cNvPr id="6" name="Picture 5"/>
+          <p:cNvPicPr>
+            <a:picLocks noChangeAspect="1"/>
+          </p:cNvPicPr>
+          <p:nvPr/>
+        </p:nvPicPr>
+        <p:blipFill>
+          <a:blip r:embed="rId4"/>
+          <a:stretch>
+            <a:fillRect/>
+          </a:stretch>
+        </p:blipFill>
+        <p:spPr>
+          <a:xfrm>
+            <a:off x="160109" y="3666225"/>
+            <a:ext cx="4092714" cy="2823877"/>
+          </a:xfrm>
+          <a:prstGeom prst="rect">
+            <a:avLst/>
+          </a:prstGeom>
+        </p:spPr>
+      </p:pic>
     </p:spTree>
     <p:extLst>
       <p:ext uri="{BB962C8B-B14F-4D97-AF65-F5344CB8AC3E}">
-        <p14:creationId xmlns:p14="http://schemas.microsoft.com/office/powerpoint/2010/main" val="1065693033"/>
+        <p14:creationId xmlns:p14="http://schemas.microsoft.com/office/powerpoint/2010/main" val="15269772"/>
       </p:ext>
     </p:extLst>
   </p:cSld>
@@ -3607,8 +3799,8 @@
         </p:nvSpPr>
         <p:spPr>
           <a:xfrm>
-            <a:off x="1682604" y="3138198"/>
-            <a:ext cx="9529011" cy="2929197"/>
+            <a:off x="1251284" y="3521827"/>
+            <a:ext cx="9529011" cy="2381667"/>
           </a:xfrm>
         </p:spPr>
         <p:txBody>
@@ -3617,13 +3809,6 @@
           </a:bodyPr>
           <a:lstStyle/>
           <a:p>
-            <a:r>
-              <a:rPr lang="en-US" dirty="0" smtClean="0"/>
-              <a:t/>
-            </a:r>
-            <a:br>
-              <a:rPr lang="en-US" dirty="0" smtClean="0"/>
-            </a:br>
             <a:endParaRPr lang="en-US" dirty="0"/>
           </a:p>
         </p:txBody>
@@ -3637,7 +3822,7 @@
         <p:spPr>
           <a:xfrm>
             <a:off x="0" y="0"/>
-            <a:ext cx="12192000" cy="2310063"/>
+            <a:ext cx="12192000" cy="6858000"/>
           </a:xfrm>
           <a:prstGeom prst="rect">
             <a:avLst/>
@@ -3688,7 +3873,7 @@
         </p:nvSpPr>
         <p:spPr>
           <a:xfrm>
-            <a:off x="1251284" y="664234"/>
+            <a:off x="1311669" y="2786332"/>
             <a:ext cx="9144000" cy="829437"/>
           </a:xfrm>
         </p:spPr>
@@ -3704,7 +3889,7 @@
                   <a:schemeClr val="bg1"/>
                 </a:solidFill>
               </a:rPr>
-              <a:t>Technologies</a:t>
+              <a:t>Backend Design</a:t>
             </a:r>
             <a:endParaRPr lang="en-US" sz="4500" b="1" dirty="0">
               <a:solidFill>
@@ -3716,193 +3901,58 @@
       </p:sp>
       <p:sp>
         <p:nvSpPr>
-          <p:cNvPr id="5" name="Round Diagonal Corner Rectangle 4"/>
-          <p:cNvSpPr/>
+          <p:cNvPr id="5" name="TextBox 4"/>
+          <p:cNvSpPr txBox="1"/>
           <p:nvPr/>
         </p:nvSpPr>
         <p:spPr>
           <a:xfrm>
-            <a:off x="2778612" y="4885486"/>
-            <a:ext cx="8047992" cy="860852"/>
-          </a:xfrm>
-          <a:prstGeom prst="round2DiagRect">
-            <a:avLst>
-              <a:gd name="adj1" fmla="val 50000"/>
-              <a:gd name="adj2" fmla="val 0"/>
-            </a:avLst>
-          </a:prstGeom>
-        </p:spPr>
-        <p:style>
-          <a:lnRef idx="2">
-            <a:schemeClr val="dk1">
-              <a:shade val="50000"/>
-            </a:schemeClr>
-          </a:lnRef>
-          <a:fillRef idx="1">
-            <a:schemeClr val="dk1"/>
-          </a:fillRef>
-          <a:effectRef idx="0">
-            <a:schemeClr val="dk1"/>
-          </a:effectRef>
-          <a:fontRef idx="minor">
-            <a:schemeClr val="lt1"/>
-          </a:fontRef>
-        </p:style>
-        <p:txBody>
-          <a:bodyPr rtlCol="0" anchor="ctr"/>
-          <a:lstStyle/>
-          <a:p>
-            <a:r>
-              <a:rPr lang="en-US" dirty="0" smtClean="0"/>
-              <a:t>	Used to show data from MYSQL to generate the calendars.</a:t>
-            </a:r>
-            <a:endParaRPr lang="en-US" b="0" dirty="0" smtClean="0">
-              <a:effectLst/>
-            </a:endParaRPr>
-          </a:p>
-        </p:txBody>
-      </p:sp>
-      <p:pic>
-        <p:nvPicPr>
-          <p:cNvPr id="2058" name="Picture 10" descr="http://php.net/images/logos/new-php-logo.png"/>
-          <p:cNvPicPr>
-            <a:picLocks noChangeAspect="1" noChangeArrowheads="1"/>
-          </p:cNvPicPr>
-          <p:nvPr/>
-        </p:nvPicPr>
-        <p:blipFill>
-          <a:blip r:embed="rId2">
-            <a:extLst>
-              <a:ext uri="{28A0092B-C50C-407E-A947-70E740481C1C}">
-                <a14:useLocalDpi xmlns:a14="http://schemas.microsoft.com/office/drawing/2010/main" val="0"/>
-              </a:ext>
-            </a:extLst>
-          </a:blip>
-          <a:srcRect/>
-          <a:stretch>
-            <a:fillRect/>
-          </a:stretch>
-        </p:blipFill>
-        <p:spPr bwMode="auto">
-          <a:xfrm>
-            <a:off x="1279279" y="4683452"/>
-            <a:ext cx="2188539" cy="1159926"/>
+            <a:off x="4739079" y="3523126"/>
+            <a:ext cx="2553419" cy="584775"/>
           </a:xfrm>
           <a:prstGeom prst="rect">
             <a:avLst/>
           </a:prstGeom>
           <a:noFill/>
-          <a:extLst>
-            <a:ext uri="{909E8E84-426E-40DD-AFC4-6F175D3DCCD1}">
-              <a14:hiddenFill xmlns:a14="http://schemas.microsoft.com/office/drawing/2010/main">
+        </p:spPr>
+        <p:txBody>
+          <a:bodyPr wrap="square" rtlCol="0">
+            <a:spAutoFit/>
+          </a:bodyPr>
+          <a:lstStyle/>
+          <a:p>
+            <a:pPr algn="ctr"/>
+            <a:r>
+              <a:rPr lang="en-US" sz="1600" dirty="0" smtClean="0">
                 <a:solidFill>
-                  <a:srgbClr val="FFFFFF"/>
+                  <a:schemeClr val="bg1"/>
                 </a:solidFill>
-              </a14:hiddenFill>
-            </a:ext>
-          </a:extLst>
-        </p:spPr>
-      </p:pic>
-      <p:sp>
-        <p:nvSpPr>
-          <p:cNvPr id="12" name="Round Diagonal Corner Rectangle 11"/>
-          <p:cNvSpPr/>
-          <p:nvPr/>
-        </p:nvSpPr>
-        <p:spPr>
-          <a:xfrm>
-            <a:off x="2868737" y="3036273"/>
-            <a:ext cx="8047992" cy="860852"/>
-          </a:xfrm>
-          <a:prstGeom prst="round2DiagRect">
-            <a:avLst>
-              <a:gd name="adj1" fmla="val 50000"/>
-              <a:gd name="adj2" fmla="val 0"/>
-            </a:avLst>
-          </a:prstGeom>
-        </p:spPr>
-        <p:style>
-          <a:lnRef idx="2">
-            <a:schemeClr val="dk1">
-              <a:shade val="50000"/>
-            </a:schemeClr>
-          </a:lnRef>
-          <a:fillRef idx="1">
-            <a:schemeClr val="dk1"/>
-          </a:fillRef>
-          <a:effectRef idx="0">
-            <a:schemeClr val="dk1"/>
-          </a:effectRef>
-          <a:fontRef idx="minor">
-            <a:schemeClr val="lt1"/>
-          </a:fontRef>
-        </p:style>
-        <p:txBody>
-          <a:bodyPr rtlCol="0" anchor="ctr"/>
-          <a:lstStyle/>
+              </a:rPr>
+              <a:t>Carolyn Zhang</a:t>
+            </a:r>
+          </a:p>
           <a:p>
             <a:pPr algn="ctr"/>
             <a:r>
-              <a:rPr lang="en-US" dirty="0" smtClean="0"/>
-              <a:t>	Used to store the data of different users’ login information and store the different events.</a:t>
-            </a:r>
-            <a:endParaRPr lang="en-US" b="0" dirty="0" smtClean="0">
-              <a:effectLst/>
+              <a:rPr lang="en-US" sz="1600" dirty="0" smtClean="0">
+                <a:solidFill>
+                  <a:schemeClr val="bg1"/>
+                </a:solidFill>
+              </a:rPr>
+              <a:t>Jon-Luke Williams</a:t>
+            </a:r>
+            <a:endParaRPr lang="en-US" sz="1600" dirty="0">
+              <a:solidFill>
+                <a:schemeClr val="bg1"/>
+              </a:solidFill>
             </a:endParaRPr>
           </a:p>
-          <a:p>
-            <a:pPr algn="ctr"/>
-            <a:endParaRPr lang="en-US" b="0" dirty="0" smtClean="0">
-              <a:effectLst/>
-            </a:endParaRPr>
-          </a:p>
-        </p:txBody>
-      </p:sp>
-      <p:pic>
-        <p:nvPicPr>
-          <p:cNvPr id="2060" name="Picture 12" descr="Image result for mysql logo"/>
-          <p:cNvPicPr>
-            <a:picLocks noChangeAspect="1" noChangeArrowheads="1"/>
-          </p:cNvPicPr>
-          <p:nvPr/>
-        </p:nvPicPr>
-        <p:blipFill>
-          <a:blip r:embed="rId3">
-            <a:extLst>
-              <a:ext uri="{28A0092B-C50C-407E-A947-70E740481C1C}">
-                <a14:useLocalDpi xmlns:a14="http://schemas.microsoft.com/office/drawing/2010/main" val="0"/>
-              </a:ext>
-            </a:extLst>
-          </a:blip>
-          <a:srcRect/>
-          <a:stretch>
-            <a:fillRect/>
-          </a:stretch>
-        </p:blipFill>
-        <p:spPr bwMode="auto">
-          <a:xfrm>
-            <a:off x="864075" y="1613544"/>
-            <a:ext cx="3018946" cy="3018946"/>
-          </a:xfrm>
-          <a:prstGeom prst="rect">
-            <a:avLst/>
-          </a:prstGeom>
-          <a:noFill/>
-          <a:extLst>
-            <a:ext uri="{909E8E84-426E-40DD-AFC4-6F175D3DCCD1}">
-              <a14:hiddenFill xmlns:a14="http://schemas.microsoft.com/office/drawing/2010/main">
-                <a:solidFill>
-                  <a:srgbClr val="FFFFFF"/>
-                </a:solidFill>
-              </a14:hiddenFill>
-            </a:ext>
-          </a:extLst>
-        </p:spPr>
-      </p:pic>
+        </p:txBody>
+      </p:sp>
     </p:spTree>
     <p:extLst>
       <p:ext uri="{BB962C8B-B14F-4D97-AF65-F5344CB8AC3E}">
-        <p14:creationId xmlns:p14="http://schemas.microsoft.com/office/powerpoint/2010/main" val="277896268"/>
+        <p14:creationId xmlns:p14="http://schemas.microsoft.com/office/powerpoint/2010/main" val="1065693033"/>
       </p:ext>
     </p:extLst>
   </p:cSld>
@@ -3938,6 +3988,39 @@
       </p:grpSpPr>
       <p:sp>
         <p:nvSpPr>
+          <p:cNvPr id="3" name="Subtitle 2"/>
+          <p:cNvSpPr>
+            <a:spLocks noGrp="1"/>
+          </p:cNvSpPr>
+          <p:nvPr>
+            <p:ph type="subTitle" idx="1"/>
+          </p:nvPr>
+        </p:nvSpPr>
+        <p:spPr>
+          <a:xfrm>
+            <a:off x="1682604" y="3138198"/>
+            <a:ext cx="9529011" cy="2929197"/>
+          </a:xfrm>
+        </p:spPr>
+        <p:txBody>
+          <a:bodyPr>
+            <a:normAutofit/>
+          </a:bodyPr>
+          <a:lstStyle/>
+          <a:p>
+            <a:r>
+              <a:rPr lang="en-US" dirty="0" smtClean="0"/>
+              <a:t/>
+            </a:r>
+            <a:br>
+              <a:rPr lang="en-US" dirty="0" smtClean="0"/>
+            </a:br>
+            <a:endParaRPr lang="en-US" dirty="0"/>
+          </a:p>
+        </p:txBody>
+      </p:sp>
+      <p:sp>
+        <p:nvSpPr>
           <p:cNvPr id="4" name="Rectangle 3"/>
           <p:cNvSpPr/>
           <p:nvPr/>
@@ -4012,7 +4095,7 @@
                   <a:schemeClr val="bg1"/>
                 </a:solidFill>
               </a:rPr>
-              <a:t>Database Tables</a:t>
+              <a:t>Technologies</a:t>
             </a:r>
             <a:endParaRPr lang="en-US" sz="4500" b="1" dirty="0">
               <a:solidFill>
@@ -4022,34 +4105,207 @@
           </a:p>
         </p:txBody>
       </p:sp>
+      <p:sp>
+        <p:nvSpPr>
+          <p:cNvPr id="5" name="Round Diagonal Corner Rectangle 4"/>
+          <p:cNvSpPr/>
+          <p:nvPr/>
+        </p:nvSpPr>
+        <p:spPr>
+          <a:xfrm>
+            <a:off x="2778612" y="4885486"/>
+            <a:ext cx="8047992" cy="860852"/>
+          </a:xfrm>
+          <a:prstGeom prst="round2DiagRect">
+            <a:avLst>
+              <a:gd name="adj1" fmla="val 50000"/>
+              <a:gd name="adj2" fmla="val 0"/>
+            </a:avLst>
+          </a:prstGeom>
+        </p:spPr>
+        <p:style>
+          <a:lnRef idx="2">
+            <a:schemeClr val="dk1">
+              <a:shade val="50000"/>
+            </a:schemeClr>
+          </a:lnRef>
+          <a:fillRef idx="1">
+            <a:schemeClr val="dk1"/>
+          </a:fillRef>
+          <a:effectRef idx="0">
+            <a:schemeClr val="dk1"/>
+          </a:effectRef>
+          <a:fontRef idx="minor">
+            <a:schemeClr val="lt1"/>
+          </a:fontRef>
+        </p:style>
+        <p:txBody>
+          <a:bodyPr rtlCol="0" anchor="ctr"/>
+          <a:lstStyle/>
+          <a:p>
+            <a:r>
+              <a:rPr lang="en-US" dirty="0" smtClean="0"/>
+              <a:t>	Used to </a:t>
+            </a:r>
+            <a:r>
+              <a:rPr lang="en-US" dirty="0" smtClean="0"/>
+              <a:t>display data </a:t>
+            </a:r>
+            <a:r>
+              <a:rPr lang="en-US" dirty="0" smtClean="0"/>
+              <a:t>from MYSQL </a:t>
+            </a:r>
+            <a:r>
+              <a:rPr lang="en-US" dirty="0" smtClean="0"/>
+              <a:t>onto events and profile pages.</a:t>
+            </a:r>
+            <a:endParaRPr lang="en-US" b="0" dirty="0" smtClean="0">
+              <a:effectLst/>
+            </a:endParaRPr>
+          </a:p>
+        </p:txBody>
+      </p:sp>
       <p:pic>
         <p:nvPicPr>
-          <p:cNvPr id="5" name="Picture 4"/>
+          <p:cNvPr id="2058" name="Picture 10" descr="http://php.net/images/logos/new-php-logo.png"/>
           <p:cNvPicPr>
-            <a:picLocks noChangeAspect="1"/>
+            <a:picLocks noChangeAspect="1" noChangeArrowheads="1"/>
           </p:cNvPicPr>
           <p:nvPr/>
         </p:nvPicPr>
         <p:blipFill>
-          <a:blip r:embed="rId2"/>
+          <a:blip r:embed="rId2">
+            <a:extLst>
+              <a:ext uri="{28A0092B-C50C-407E-A947-70E740481C1C}">
+                <a14:useLocalDpi xmlns:a14="http://schemas.microsoft.com/office/drawing/2010/main" val="0"/>
+              </a:ext>
+            </a:extLst>
+          </a:blip>
+          <a:srcRect/>
           <a:stretch>
             <a:fillRect/>
           </a:stretch>
         </p:blipFill>
-        <p:spPr>
-          <a:xfrm>
-            <a:off x="953489" y="2562045"/>
-            <a:ext cx="9967554" cy="4295955"/>
+        <p:spPr bwMode="auto">
+          <a:xfrm>
+            <a:off x="1279279" y="4683452"/>
+            <a:ext cx="2188539" cy="1159926"/>
           </a:xfrm>
           <a:prstGeom prst="rect">
             <a:avLst/>
           </a:prstGeom>
+          <a:noFill/>
+          <a:extLst>
+            <a:ext uri="{909E8E84-426E-40DD-AFC4-6F175D3DCCD1}">
+              <a14:hiddenFill xmlns:a14="http://schemas.microsoft.com/office/drawing/2010/main">
+                <a:solidFill>
+                  <a:srgbClr val="FFFFFF"/>
+                </a:solidFill>
+              </a14:hiddenFill>
+            </a:ext>
+          </a:extLst>
+        </p:spPr>
+      </p:pic>
+      <p:sp>
+        <p:nvSpPr>
+          <p:cNvPr id="12" name="Round Diagonal Corner Rectangle 11"/>
+          <p:cNvSpPr/>
+          <p:nvPr/>
+        </p:nvSpPr>
+        <p:spPr>
+          <a:xfrm>
+            <a:off x="2868737" y="3036273"/>
+            <a:ext cx="8047992" cy="860852"/>
+          </a:xfrm>
+          <a:prstGeom prst="round2DiagRect">
+            <a:avLst>
+              <a:gd name="adj1" fmla="val 50000"/>
+              <a:gd name="adj2" fmla="val 0"/>
+            </a:avLst>
+          </a:prstGeom>
+        </p:spPr>
+        <p:style>
+          <a:lnRef idx="2">
+            <a:schemeClr val="dk1">
+              <a:shade val="50000"/>
+            </a:schemeClr>
+          </a:lnRef>
+          <a:fillRef idx="1">
+            <a:schemeClr val="dk1"/>
+          </a:fillRef>
+          <a:effectRef idx="0">
+            <a:schemeClr val="dk1"/>
+          </a:effectRef>
+          <a:fontRef idx="minor">
+            <a:schemeClr val="lt1"/>
+          </a:fontRef>
+        </p:style>
+        <p:txBody>
+          <a:bodyPr rtlCol="0" anchor="ctr"/>
+          <a:lstStyle/>
+          <a:p>
+            <a:pPr algn="ctr"/>
+            <a:r>
+              <a:rPr lang="en-US" dirty="0" smtClean="0"/>
+              <a:t>	Used to store the data of different users’ login information and store the different events.</a:t>
+            </a:r>
+            <a:endParaRPr lang="en-US" b="0" dirty="0" smtClean="0">
+              <a:effectLst/>
+            </a:endParaRPr>
+          </a:p>
+          <a:p>
+            <a:pPr algn="ctr"/>
+            <a:endParaRPr lang="en-US" b="0" dirty="0" smtClean="0">
+              <a:effectLst/>
+            </a:endParaRPr>
+          </a:p>
+        </p:txBody>
+      </p:sp>
+      <p:pic>
+        <p:nvPicPr>
+          <p:cNvPr id="2060" name="Picture 12" descr="Image result for mysql logo"/>
+          <p:cNvPicPr>
+            <a:picLocks noChangeAspect="1" noChangeArrowheads="1"/>
+          </p:cNvPicPr>
+          <p:nvPr/>
+        </p:nvPicPr>
+        <p:blipFill>
+          <a:blip r:embed="rId3">
+            <a:extLst>
+              <a:ext uri="{28A0092B-C50C-407E-A947-70E740481C1C}">
+                <a14:useLocalDpi xmlns:a14="http://schemas.microsoft.com/office/drawing/2010/main" val="0"/>
+              </a:ext>
+            </a:extLst>
+          </a:blip>
+          <a:srcRect/>
+          <a:stretch>
+            <a:fillRect/>
+          </a:stretch>
+        </p:blipFill>
+        <p:spPr bwMode="auto">
+          <a:xfrm>
+            <a:off x="864075" y="1613544"/>
+            <a:ext cx="3018946" cy="3018946"/>
+          </a:xfrm>
+          <a:prstGeom prst="rect">
+            <a:avLst/>
+          </a:prstGeom>
+          <a:noFill/>
+          <a:extLst>
+            <a:ext uri="{909E8E84-426E-40DD-AFC4-6F175D3DCCD1}">
+              <a14:hiddenFill xmlns:a14="http://schemas.microsoft.com/office/drawing/2010/main">
+                <a:solidFill>
+                  <a:srgbClr val="FFFFFF"/>
+                </a:solidFill>
+              </a14:hiddenFill>
+            </a:ext>
+          </a:extLst>
         </p:spPr>
       </p:pic>
     </p:spTree>
     <p:extLst>
       <p:ext uri="{BB962C8B-B14F-4D97-AF65-F5344CB8AC3E}">
-        <p14:creationId xmlns:p14="http://schemas.microsoft.com/office/powerpoint/2010/main" val="3834850453"/>
+        <p14:creationId xmlns:p14="http://schemas.microsoft.com/office/powerpoint/2010/main" val="277896268"/>
       </p:ext>
     </p:extLst>
   </p:cSld>
@@ -4085,32 +4341,6 @@
       </p:grpSpPr>
       <p:sp>
         <p:nvSpPr>
-          <p:cNvPr id="3" name="Subtitle 2"/>
-          <p:cNvSpPr>
-            <a:spLocks noGrp="1"/>
-          </p:cNvSpPr>
-          <p:nvPr>
-            <p:ph type="subTitle" idx="1"/>
-          </p:nvPr>
-        </p:nvSpPr>
-        <p:spPr>
-          <a:xfrm>
-            <a:off x="1251284" y="3521827"/>
-            <a:ext cx="9529011" cy="2381667"/>
-          </a:xfrm>
-        </p:spPr>
-        <p:txBody>
-          <a:bodyPr>
-            <a:normAutofit/>
-          </a:bodyPr>
-          <a:lstStyle/>
-          <a:p>
-            <a:endParaRPr lang="en-US" dirty="0"/>
-          </a:p>
-        </p:txBody>
-      </p:sp>
-      <p:sp>
-        <p:nvSpPr>
           <p:cNvPr id="4" name="Rectangle 3"/>
           <p:cNvSpPr/>
           <p:nvPr/>
@@ -4118,7 +4348,7 @@
         <p:spPr>
           <a:xfrm>
             <a:off x="0" y="0"/>
-            <a:ext cx="12192000" cy="6858000"/>
+            <a:ext cx="12192000" cy="2310063"/>
           </a:xfrm>
           <a:prstGeom prst="rect">
             <a:avLst/>
@@ -4169,7 +4399,7 @@
         </p:nvSpPr>
         <p:spPr>
           <a:xfrm>
-            <a:off x="1311669" y="2786332"/>
+            <a:off x="1251284" y="664234"/>
             <a:ext cx="9144000" cy="829437"/>
           </a:xfrm>
         </p:spPr>
@@ -4185,7 +4415,7 @@
                   <a:schemeClr val="bg1"/>
                 </a:solidFill>
               </a:rPr>
-              <a:t>Demo</a:t>
+              <a:t>Database Tables</a:t>
             </a:r>
             <a:endParaRPr lang="en-US" sz="4500" b="1" dirty="0">
               <a:solidFill>
@@ -4195,10 +4425,34 @@
           </a:p>
         </p:txBody>
       </p:sp>
+      <p:pic>
+        <p:nvPicPr>
+          <p:cNvPr id="5" name="Picture 4"/>
+          <p:cNvPicPr>
+            <a:picLocks noChangeAspect="1"/>
+          </p:cNvPicPr>
+          <p:nvPr/>
+        </p:nvPicPr>
+        <p:blipFill>
+          <a:blip r:embed="rId2"/>
+          <a:stretch>
+            <a:fillRect/>
+          </a:stretch>
+        </p:blipFill>
+        <p:spPr>
+          <a:xfrm>
+            <a:off x="953489" y="2562045"/>
+            <a:ext cx="9967554" cy="4295955"/>
+          </a:xfrm>
+          <a:prstGeom prst="rect">
+            <a:avLst/>
+          </a:prstGeom>
+        </p:spPr>
+      </p:pic>
     </p:spTree>
     <p:extLst>
       <p:ext uri="{BB962C8B-B14F-4D97-AF65-F5344CB8AC3E}">
-        <p14:creationId xmlns:p14="http://schemas.microsoft.com/office/powerpoint/2010/main" val="2487546361"/>
+        <p14:creationId xmlns:p14="http://schemas.microsoft.com/office/powerpoint/2010/main" val="3834850453"/>
       </p:ext>
     </p:extLst>
   </p:cSld>
@@ -4403,7 +4657,6 @@
               <a:rPr lang="en-US" dirty="0"/>
               <a:t>Develop algorithm to detect inappropriate events</a:t>
             </a:r>
-            <a:endParaRPr lang="en-US" dirty="0"/>
           </a:p>
         </p:txBody>
       </p:sp>
@@ -4453,7 +4706,6 @@
               <a:rPr lang="en-US" dirty="0"/>
               <a:t>Incorporate advertisement for better hosting of server</a:t>
             </a:r>
-            <a:endParaRPr lang="en-US" dirty="0"/>
           </a:p>
         </p:txBody>
       </p:sp>
@@ -4503,7 +4755,6 @@
               <a:rPr lang="en-US" dirty="0"/>
               <a:t>Extend search function to allow broader keywords</a:t>
             </a:r>
-            <a:endParaRPr lang="en-US" dirty="0"/>
           </a:p>
         </p:txBody>
       </p:sp>
@@ -4528,6 +4779,604 @@
 </file>
 
 <file path=ppt/slides/slide16.xml><?xml version="1.0" encoding="utf-8"?>
+<p:sld xmlns:a="http://schemas.openxmlformats.org/drawingml/2006/main" xmlns:r="http://schemas.openxmlformats.org/officeDocument/2006/relationships" xmlns:p="http://schemas.openxmlformats.org/presentationml/2006/main">
+  <p:cSld>
+    <p:spTree>
+      <p:nvGrpSpPr>
+        <p:cNvPr id="1" name=""/>
+        <p:cNvGrpSpPr/>
+        <p:nvPr/>
+      </p:nvGrpSpPr>
+      <p:grpSpPr>
+        <a:xfrm>
+          <a:off x="0" y="0"/>
+          <a:ext cx="0" cy="0"/>
+          <a:chOff x="0" y="0"/>
+          <a:chExt cx="0" cy="0"/>
+        </a:xfrm>
+      </p:grpSpPr>
+      <p:sp>
+        <p:nvSpPr>
+          <p:cNvPr id="4" name="Rectangle 3"/>
+          <p:cNvSpPr/>
+          <p:nvPr/>
+        </p:nvSpPr>
+        <p:spPr>
+          <a:xfrm>
+            <a:off x="0" y="0"/>
+            <a:ext cx="12192000" cy="2310063"/>
+          </a:xfrm>
+          <a:prstGeom prst="rect">
+            <a:avLst/>
+          </a:prstGeom>
+          <a:solidFill>
+            <a:srgbClr val="FF3131"/>
+          </a:solidFill>
+          <a:ln>
+            <a:solidFill>
+              <a:schemeClr val="tx1"/>
+            </a:solidFill>
+          </a:ln>
+        </p:spPr>
+        <p:style>
+          <a:lnRef idx="2">
+            <a:schemeClr val="accent1">
+              <a:shade val="50000"/>
+            </a:schemeClr>
+          </a:lnRef>
+          <a:fillRef idx="1">
+            <a:schemeClr val="accent1"/>
+          </a:fillRef>
+          <a:effectRef idx="0">
+            <a:schemeClr val="accent1"/>
+          </a:effectRef>
+          <a:fontRef idx="minor">
+            <a:schemeClr val="lt1"/>
+          </a:fontRef>
+        </p:style>
+        <p:txBody>
+          <a:bodyPr rtlCol="0" anchor="ctr"/>
+          <a:lstStyle/>
+          <a:p>
+            <a:pPr algn="ctr"/>
+            <a:endParaRPr lang="en-US"/>
+          </a:p>
+        </p:txBody>
+      </p:sp>
+      <p:sp>
+        <p:nvSpPr>
+          <p:cNvPr id="2" name="Title 1"/>
+          <p:cNvSpPr>
+            <a:spLocks noGrp="1"/>
+          </p:cNvSpPr>
+          <p:nvPr>
+            <p:ph type="ctrTitle"/>
+          </p:nvPr>
+        </p:nvSpPr>
+        <p:spPr>
+          <a:xfrm>
+            <a:off x="1251284" y="664234"/>
+            <a:ext cx="9144000" cy="829437"/>
+          </a:xfrm>
+        </p:spPr>
+        <p:txBody>
+          <a:bodyPr>
+            <a:normAutofit/>
+          </a:bodyPr>
+          <a:lstStyle/>
+          <a:p>
+            <a:r>
+              <a:rPr lang="en-US" sz="4500" b="1" dirty="0" smtClean="0">
+                <a:solidFill>
+                  <a:schemeClr val="bg1"/>
+                </a:solidFill>
+              </a:rPr>
+              <a:t>Progress Chart and Contributions</a:t>
+            </a:r>
+            <a:endParaRPr lang="en-US" sz="4500" b="1" dirty="0">
+              <a:solidFill>
+                <a:schemeClr val="bg1"/>
+              </a:solidFill>
+            </a:endParaRPr>
+          </a:p>
+        </p:txBody>
+      </p:sp>
+      <p:pic>
+        <p:nvPicPr>
+          <p:cNvPr id="3" name="Picture 2"/>
+          <p:cNvPicPr>
+            <a:picLocks noChangeAspect="1"/>
+          </p:cNvPicPr>
+          <p:nvPr/>
+        </p:nvPicPr>
+        <p:blipFill>
+          <a:blip r:embed="rId2"/>
+          <a:stretch>
+            <a:fillRect/>
+          </a:stretch>
+        </p:blipFill>
+        <p:spPr>
+          <a:xfrm>
+            <a:off x="1832309" y="2583521"/>
+            <a:ext cx="8562975" cy="2105025"/>
+          </a:xfrm>
+          <a:prstGeom prst="rect">
+            <a:avLst/>
+          </a:prstGeom>
+        </p:spPr>
+      </p:pic>
+      <p:sp>
+        <p:nvSpPr>
+          <p:cNvPr id="5" name="TextBox 4"/>
+          <p:cNvSpPr txBox="1"/>
+          <p:nvPr/>
+        </p:nvSpPr>
+        <p:spPr>
+          <a:xfrm>
+            <a:off x="767751" y="4962004"/>
+            <a:ext cx="10895162" cy="1200329"/>
+          </a:xfrm>
+          <a:prstGeom prst="rect">
+            <a:avLst/>
+          </a:prstGeom>
+          <a:noFill/>
+        </p:spPr>
+        <p:txBody>
+          <a:bodyPr wrap="square" rtlCol="0">
+            <a:spAutoFit/>
+          </a:bodyPr>
+          <a:lstStyle/>
+          <a:p>
+            <a:r>
+              <a:rPr lang="en-US" dirty="0" err="1" smtClean="0">
+                <a:solidFill>
+                  <a:srgbClr val="FF0000"/>
+                </a:solidFill>
+              </a:rPr>
+              <a:t>Trulee</a:t>
+            </a:r>
+            <a:r>
+              <a:rPr lang="en-US" dirty="0" smtClean="0">
+                <a:solidFill>
+                  <a:srgbClr val="FF0000"/>
+                </a:solidFill>
+              </a:rPr>
+              <a:t>: </a:t>
+            </a:r>
+            <a:r>
+              <a:rPr lang="en-US" dirty="0" smtClean="0"/>
+              <a:t>set up project template and implemented front end with JavaScript calls to backend. </a:t>
+            </a:r>
+          </a:p>
+          <a:p>
+            <a:r>
+              <a:rPr lang="en-US" dirty="0" smtClean="0">
+                <a:solidFill>
+                  <a:srgbClr val="FF0000"/>
+                </a:solidFill>
+              </a:rPr>
+              <a:t>Carolyn: </a:t>
+            </a:r>
+            <a:r>
+              <a:rPr lang="en-US" dirty="0" smtClean="0"/>
+              <a:t>set up the database and implemented login authentication and user creation, helped with form validation</a:t>
+            </a:r>
+          </a:p>
+          <a:p>
+            <a:r>
+              <a:rPr lang="en-US" dirty="0" smtClean="0">
+                <a:solidFill>
+                  <a:srgbClr val="FF0000"/>
+                </a:solidFill>
+              </a:rPr>
+              <a:t>Harman: </a:t>
+            </a:r>
+            <a:r>
+              <a:rPr lang="en-US" dirty="0" smtClean="0"/>
+              <a:t>implemented my events and saved events using </a:t>
+            </a:r>
+            <a:r>
+              <a:rPr lang="en-US" dirty="0" err="1" smtClean="0"/>
+              <a:t>php</a:t>
+            </a:r>
+            <a:r>
+              <a:rPr lang="en-US" dirty="0" smtClean="0"/>
+              <a:t>, helped with form validation</a:t>
+            </a:r>
+          </a:p>
+          <a:p>
+            <a:r>
+              <a:rPr lang="en-US" dirty="0" smtClean="0">
+                <a:solidFill>
+                  <a:srgbClr val="FF0000"/>
+                </a:solidFill>
+              </a:rPr>
+              <a:t>Jon-Luke: </a:t>
+            </a:r>
+            <a:r>
+              <a:rPr lang="en-US" dirty="0" smtClean="0"/>
+              <a:t>created search functionality and helped with documentation</a:t>
+            </a:r>
+            <a:endParaRPr lang="en-US" dirty="0"/>
+          </a:p>
+        </p:txBody>
+      </p:sp>
+    </p:spTree>
+    <p:extLst>
+      <p:ext uri="{BB962C8B-B14F-4D97-AF65-F5344CB8AC3E}">
+        <p14:creationId xmlns:p14="http://schemas.microsoft.com/office/powerpoint/2010/main" val="4058420660"/>
+      </p:ext>
+    </p:extLst>
+  </p:cSld>
+  <p:clrMapOvr>
+    <a:masterClrMapping/>
+  </p:clrMapOvr>
+  <p:timing>
+    <p:tnLst>
+      <p:par>
+        <p:cTn id="1" dur="indefinite" restart="never" nodeType="tmRoot"/>
+      </p:par>
+    </p:tnLst>
+  </p:timing>
+</p:sld>
+</file>
+
+<file path=ppt/slides/slide17.xml><?xml version="1.0" encoding="utf-8"?>
+<p:sld xmlns:a="http://schemas.openxmlformats.org/drawingml/2006/main" xmlns:r="http://schemas.openxmlformats.org/officeDocument/2006/relationships" xmlns:p="http://schemas.openxmlformats.org/presentationml/2006/main">
+  <p:cSld>
+    <p:spTree>
+      <p:nvGrpSpPr>
+        <p:cNvPr id="1" name=""/>
+        <p:cNvGrpSpPr/>
+        <p:nvPr/>
+      </p:nvGrpSpPr>
+      <p:grpSpPr>
+        <a:xfrm>
+          <a:off x="0" y="0"/>
+          <a:ext cx="0" cy="0"/>
+          <a:chOff x="0" y="0"/>
+          <a:chExt cx="0" cy="0"/>
+        </a:xfrm>
+      </p:grpSpPr>
+      <p:sp>
+        <p:nvSpPr>
+          <p:cNvPr id="4" name="Rectangle 3"/>
+          <p:cNvSpPr/>
+          <p:nvPr/>
+        </p:nvSpPr>
+        <p:spPr>
+          <a:xfrm>
+            <a:off x="0" y="0"/>
+            <a:ext cx="12192000" cy="2310063"/>
+          </a:xfrm>
+          <a:prstGeom prst="rect">
+            <a:avLst/>
+          </a:prstGeom>
+          <a:solidFill>
+            <a:srgbClr val="FF3131"/>
+          </a:solidFill>
+          <a:ln>
+            <a:solidFill>
+              <a:schemeClr val="tx1"/>
+            </a:solidFill>
+          </a:ln>
+        </p:spPr>
+        <p:style>
+          <a:lnRef idx="2">
+            <a:schemeClr val="accent1">
+              <a:shade val="50000"/>
+            </a:schemeClr>
+          </a:lnRef>
+          <a:fillRef idx="1">
+            <a:schemeClr val="accent1"/>
+          </a:fillRef>
+          <a:effectRef idx="0">
+            <a:schemeClr val="accent1"/>
+          </a:effectRef>
+          <a:fontRef idx="minor">
+            <a:schemeClr val="lt1"/>
+          </a:fontRef>
+        </p:style>
+        <p:txBody>
+          <a:bodyPr rtlCol="0" anchor="ctr"/>
+          <a:lstStyle/>
+          <a:p>
+            <a:pPr algn="ctr"/>
+            <a:endParaRPr lang="en-US"/>
+          </a:p>
+        </p:txBody>
+      </p:sp>
+      <p:sp>
+        <p:nvSpPr>
+          <p:cNvPr id="2" name="Title 1"/>
+          <p:cNvSpPr>
+            <a:spLocks noGrp="1"/>
+          </p:cNvSpPr>
+          <p:nvPr>
+            <p:ph type="ctrTitle"/>
+          </p:nvPr>
+        </p:nvSpPr>
+        <p:spPr>
+          <a:xfrm>
+            <a:off x="1251284" y="664234"/>
+            <a:ext cx="9144000" cy="829437"/>
+          </a:xfrm>
+        </p:spPr>
+        <p:txBody>
+          <a:bodyPr>
+            <a:normAutofit/>
+          </a:bodyPr>
+          <a:lstStyle/>
+          <a:p>
+            <a:r>
+              <a:rPr lang="en-US" sz="4500" b="1" dirty="0" smtClean="0">
+                <a:solidFill>
+                  <a:schemeClr val="bg1"/>
+                </a:solidFill>
+              </a:rPr>
+              <a:t>Lessons Learned</a:t>
+            </a:r>
+            <a:endParaRPr lang="en-US" sz="4500" b="1" dirty="0">
+              <a:solidFill>
+                <a:schemeClr val="bg1"/>
+              </a:solidFill>
+            </a:endParaRPr>
+          </a:p>
+        </p:txBody>
+      </p:sp>
+      <p:sp>
+        <p:nvSpPr>
+          <p:cNvPr id="3" name="Rectangular Callout 2"/>
+          <p:cNvSpPr/>
+          <p:nvPr/>
+        </p:nvSpPr>
+        <p:spPr>
+          <a:xfrm>
+            <a:off x="646980" y="2691441"/>
+            <a:ext cx="6435305" cy="852199"/>
+          </a:xfrm>
+          <a:prstGeom prst="wedgeRectCallout">
+            <a:avLst>
+              <a:gd name="adj1" fmla="val -42405"/>
+              <a:gd name="adj2" fmla="val 76957"/>
+            </a:avLst>
+          </a:prstGeom>
+          <a:solidFill>
+            <a:schemeClr val="bg1"/>
+          </a:solidFill>
+        </p:spPr>
+        <p:style>
+          <a:lnRef idx="2">
+            <a:schemeClr val="accent1">
+              <a:shade val="50000"/>
+            </a:schemeClr>
+          </a:lnRef>
+          <a:fillRef idx="1">
+            <a:schemeClr val="accent1"/>
+          </a:fillRef>
+          <a:effectRef idx="0">
+            <a:schemeClr val="accent1"/>
+          </a:effectRef>
+          <a:fontRef idx="minor">
+            <a:schemeClr val="lt1"/>
+          </a:fontRef>
+        </p:style>
+        <p:txBody>
+          <a:bodyPr rtlCol="0" anchor="ctr"/>
+          <a:lstStyle/>
+          <a:p>
+            <a:pPr algn="ctr"/>
+            <a:r>
+              <a:rPr lang="en-US" dirty="0" smtClean="0">
+                <a:solidFill>
+                  <a:schemeClr val="tx1"/>
+                </a:solidFill>
+              </a:rPr>
+              <a:t>“I learned </a:t>
+            </a:r>
+            <a:r>
+              <a:rPr lang="en-US" dirty="0">
+                <a:solidFill>
+                  <a:schemeClr val="tx1"/>
+                </a:solidFill>
+              </a:rPr>
+              <a:t>h</a:t>
+            </a:r>
+            <a:r>
+              <a:rPr lang="en-US" dirty="0" smtClean="0">
+                <a:solidFill>
+                  <a:schemeClr val="tx1"/>
+                </a:solidFill>
+              </a:rPr>
+              <a:t>ow to use </a:t>
+            </a:r>
+            <a:r>
+              <a:rPr lang="en-US" dirty="0" err="1" smtClean="0">
+                <a:solidFill>
+                  <a:schemeClr val="tx1"/>
+                </a:solidFill>
+              </a:rPr>
+              <a:t>Git</a:t>
+            </a:r>
+            <a:r>
+              <a:rPr lang="en-US" dirty="0" smtClean="0">
+                <a:solidFill>
+                  <a:schemeClr val="tx1"/>
+                </a:solidFill>
+              </a:rPr>
+              <a:t>, how to apply technologies to a project,  and </a:t>
+            </a:r>
+            <a:r>
+              <a:rPr lang="en-US" dirty="0" err="1" smtClean="0">
+                <a:solidFill>
+                  <a:schemeClr val="tx1"/>
+                </a:solidFill>
+              </a:rPr>
+              <a:t>StackOverflow</a:t>
+            </a:r>
+            <a:r>
+              <a:rPr lang="en-US" dirty="0" smtClean="0">
+                <a:solidFill>
+                  <a:schemeClr val="tx1"/>
+                </a:solidFill>
+              </a:rPr>
+              <a:t> is life”</a:t>
+            </a:r>
+            <a:endParaRPr lang="en-US" dirty="0">
+              <a:solidFill>
+                <a:schemeClr val="tx1"/>
+              </a:solidFill>
+            </a:endParaRPr>
+          </a:p>
+        </p:txBody>
+      </p:sp>
+      <p:sp>
+        <p:nvSpPr>
+          <p:cNvPr id="6" name="Rectangular Callout 5"/>
+          <p:cNvSpPr/>
+          <p:nvPr/>
+        </p:nvSpPr>
+        <p:spPr>
+          <a:xfrm>
+            <a:off x="5518030" y="3735237"/>
+            <a:ext cx="6435305" cy="852199"/>
+          </a:xfrm>
+          <a:prstGeom prst="wedgeRectCallout">
+            <a:avLst>
+              <a:gd name="adj1" fmla="val -42405"/>
+              <a:gd name="adj2" fmla="val 76957"/>
+            </a:avLst>
+          </a:prstGeom>
+          <a:solidFill>
+            <a:schemeClr val="bg1"/>
+          </a:solidFill>
+        </p:spPr>
+        <p:style>
+          <a:lnRef idx="2">
+            <a:schemeClr val="accent1">
+              <a:shade val="50000"/>
+            </a:schemeClr>
+          </a:lnRef>
+          <a:fillRef idx="1">
+            <a:schemeClr val="accent1"/>
+          </a:fillRef>
+          <a:effectRef idx="0">
+            <a:schemeClr val="accent1"/>
+          </a:effectRef>
+          <a:fontRef idx="minor">
+            <a:schemeClr val="lt1"/>
+          </a:fontRef>
+        </p:style>
+        <p:txBody>
+          <a:bodyPr rtlCol="0" anchor="ctr"/>
+          <a:lstStyle/>
+          <a:p>
+            <a:pPr algn="ctr"/>
+            <a:r>
+              <a:rPr lang="en-US" dirty="0" smtClean="0">
+                <a:solidFill>
+                  <a:schemeClr val="tx1"/>
+                </a:solidFill>
+              </a:rPr>
+              <a:t>“I learned how to use PHP and MySQL more in depth. I also learned how to use </a:t>
+            </a:r>
+            <a:r>
+              <a:rPr lang="en-US" dirty="0" err="1" smtClean="0">
+                <a:solidFill>
+                  <a:schemeClr val="tx1"/>
+                </a:solidFill>
+              </a:rPr>
+              <a:t>Git</a:t>
+            </a:r>
+            <a:r>
+              <a:rPr lang="en-US" dirty="0" smtClean="0">
+                <a:solidFill>
+                  <a:schemeClr val="tx1"/>
+                </a:solidFill>
+              </a:rPr>
+              <a:t>”</a:t>
+            </a:r>
+            <a:endParaRPr lang="en-US" dirty="0">
+              <a:solidFill>
+                <a:schemeClr val="tx1"/>
+              </a:solidFill>
+            </a:endParaRPr>
+          </a:p>
+        </p:txBody>
+      </p:sp>
+      <p:pic>
+        <p:nvPicPr>
+          <p:cNvPr id="8" name="Picture 7"/>
+          <p:cNvPicPr>
+            <a:picLocks noChangeAspect="1"/>
+          </p:cNvPicPr>
+          <p:nvPr/>
+        </p:nvPicPr>
+        <p:blipFill rotWithShape="1">
+          <a:blip r:embed="rId2" cstate="print">
+            <a:extLst>
+              <a:ext uri="{28A0092B-C50C-407E-A947-70E740481C1C}">
+                <a14:useLocalDpi xmlns:a14="http://schemas.microsoft.com/office/drawing/2010/main" val="0"/>
+              </a:ext>
+            </a:extLst>
+          </a:blip>
+          <a:srcRect l="26449" t="10703" r="29785" b="54745"/>
+          <a:stretch/>
+        </p:blipFill>
+        <p:spPr>
+          <a:xfrm>
+            <a:off x="198408" y="3925018"/>
+            <a:ext cx="1863305" cy="1947306"/>
+          </a:xfrm>
+          <a:prstGeom prst="ellipse">
+            <a:avLst/>
+          </a:prstGeom>
+        </p:spPr>
+      </p:pic>
+      <p:pic>
+        <p:nvPicPr>
+          <p:cNvPr id="9" name="Picture 8"/>
+          <p:cNvPicPr>
+            <a:picLocks noChangeAspect="1"/>
+          </p:cNvPicPr>
+          <p:nvPr/>
+        </p:nvPicPr>
+        <p:blipFill rotWithShape="1">
+          <a:blip r:embed="rId3"/>
+          <a:srcRect l="44016" t="1307" r="-386" b="1338"/>
+          <a:stretch/>
+        </p:blipFill>
+        <p:spPr>
+          <a:xfrm>
+            <a:off x="4185248" y="4587436"/>
+            <a:ext cx="1910752" cy="1904667"/>
+          </a:xfrm>
+          <a:prstGeom prst="ellipse">
+            <a:avLst/>
+          </a:prstGeom>
+        </p:spPr>
+      </p:pic>
+    </p:spTree>
+    <p:extLst>
+      <p:ext uri="{BB962C8B-B14F-4D97-AF65-F5344CB8AC3E}">
+        <p14:creationId xmlns:p14="http://schemas.microsoft.com/office/powerpoint/2010/main" val="2354409610"/>
+      </p:ext>
+    </p:extLst>
+  </p:cSld>
+  <p:clrMapOvr>
+    <a:masterClrMapping/>
+  </p:clrMapOvr>
+  <p:timing>
+    <p:tnLst>
+      <p:par>
+        <p:cTn id="1" dur="indefinite" restart="never" nodeType="tmRoot"/>
+      </p:par>
+    </p:tnLst>
+  </p:timing>
+</p:sld>
+</file>
+
+<file path=ppt/slides/slide18.xml><?xml version="1.0" encoding="utf-8"?>
 <p:sld xmlns:a="http://schemas.openxmlformats.org/drawingml/2006/main" xmlns:r="http://schemas.openxmlformats.org/officeDocument/2006/relationships" xmlns:p="http://schemas.openxmlformats.org/presentationml/2006/main">
   <p:cSld>
     <p:spTree>
@@ -6311,7 +7160,6 @@
               <a:rPr lang="en-US" dirty="0"/>
               <a:t>community by providing students/staff/faculty with a centralized platform on which they can post and browse for any events that are relevant to the RPI community in an organized manner. </a:t>
             </a:r>
-            <a:endParaRPr lang="en-US" dirty="0"/>
           </a:p>
           <a:p>
             <a:pPr algn="ctr"/>
@@ -6323,7 +7171,6 @@
               <a:rPr lang="en-US" dirty="0"/>
               <a:t>site will generate value for those seeking to advertise/promote their events, as well as for those looking for events to attend. </a:t>
             </a:r>
-            <a:endParaRPr lang="en-US" dirty="0"/>
           </a:p>
           <a:p>
             <a:pPr algn="ctr"/>
@@ -6988,47 +7835,32 @@
           <a:chExt cx="0" cy="0"/>
         </a:xfrm>
       </p:grpSpPr>
-      <p:pic>
-        <p:nvPicPr>
-          <p:cNvPr id="5122" name="Picture 2" descr="https://lh6.googleusercontent.com/bJi4eiwwn9wEeCWBZpyN6nwZDnoiEwxZbxxuIAfr40NF9AcKADpablorVFFvgXqo03vKnOSsMaP_gsIPel3p_lvrYgHTQb2MgLfHCNLDHUVlo9NAJc2g2Rt9iGQg9HOSVx_1rtb8"/>
-          <p:cNvPicPr>
-            <a:picLocks noChangeAspect="1" noChangeArrowheads="1"/>
-          </p:cNvPicPr>
-          <p:nvPr/>
-        </p:nvPicPr>
-        <p:blipFill>
-          <a:blip r:embed="rId2">
-            <a:extLst>
-              <a:ext uri="{28A0092B-C50C-407E-A947-70E740481C1C}">
-                <a14:useLocalDpi xmlns:a14="http://schemas.microsoft.com/office/drawing/2010/main" val="0"/>
-              </a:ext>
-            </a:extLst>
-          </a:blip>
-          <a:srcRect/>
-          <a:stretch>
-            <a:fillRect/>
-          </a:stretch>
-        </p:blipFill>
-        <p:spPr bwMode="auto">
-          <a:xfrm>
-            <a:off x="1492822" y="2381855"/>
-            <a:ext cx="8807116" cy="4629383"/>
-          </a:xfrm>
-          <a:prstGeom prst="rect">
-            <a:avLst/>
-          </a:prstGeom>
-          <a:noFill/>
-          <a:extLst>
-            <a:ext uri="{909E8E84-426E-40DD-AFC4-6F175D3DCCD1}">
-              <a14:hiddenFill xmlns:a14="http://schemas.microsoft.com/office/drawing/2010/main">
-                <a:solidFill>
-                  <a:srgbClr val="FFFFFF"/>
-                </a:solidFill>
-              </a14:hiddenFill>
-            </a:ext>
-          </a:extLst>
-        </p:spPr>
-      </p:pic>
+      <p:sp>
+        <p:nvSpPr>
+          <p:cNvPr id="3" name="Subtitle 2"/>
+          <p:cNvSpPr>
+            <a:spLocks noGrp="1"/>
+          </p:cNvSpPr>
+          <p:nvPr>
+            <p:ph type="subTitle" idx="1"/>
+          </p:nvPr>
+        </p:nvSpPr>
+        <p:spPr>
+          <a:xfrm>
+            <a:off x="1251284" y="3521827"/>
+            <a:ext cx="9529011" cy="2381667"/>
+          </a:xfrm>
+        </p:spPr>
+        <p:txBody>
+          <a:bodyPr>
+            <a:normAutofit/>
+          </a:bodyPr>
+          <a:lstStyle/>
+          <a:p>
+            <a:endParaRPr lang="en-US" dirty="0"/>
+          </a:p>
+        </p:txBody>
+      </p:sp>
       <p:sp>
         <p:nvSpPr>
           <p:cNvPr id="4" name="Rectangle 3"/>
@@ -7038,7 +7870,7 @@
         <p:spPr>
           <a:xfrm>
             <a:off x="0" y="0"/>
-            <a:ext cx="12192000" cy="2310063"/>
+            <a:ext cx="12192000" cy="6858000"/>
           </a:xfrm>
           <a:prstGeom prst="rect">
             <a:avLst/>
@@ -7089,7 +7921,7 @@
         </p:nvSpPr>
         <p:spPr>
           <a:xfrm>
-            <a:off x="1251284" y="664234"/>
+            <a:off x="1311669" y="2786332"/>
             <a:ext cx="9144000" cy="829437"/>
           </a:xfrm>
         </p:spPr>
@@ -7105,7 +7937,7 @@
                   <a:schemeClr val="bg1"/>
                 </a:solidFill>
               </a:rPr>
-              <a:t>Site Map</a:t>
+              <a:t>Demo</a:t>
             </a:r>
             <a:endParaRPr lang="en-US" sz="4500" b="1" dirty="0">
               <a:solidFill>
@@ -7118,7 +7950,7 @@
     </p:spTree>
     <p:extLst>
       <p:ext uri="{BB962C8B-B14F-4D97-AF65-F5344CB8AC3E}">
-        <p14:creationId xmlns:p14="http://schemas.microsoft.com/office/powerpoint/2010/main" val="3780789079"/>
+        <p14:creationId xmlns:p14="http://schemas.microsoft.com/office/powerpoint/2010/main" val="2487546361"/>
       </p:ext>
     </p:extLst>
   </p:cSld>
@@ -7351,142 +8183,9 @@
           <a:chExt cx="0" cy="0"/>
         </a:xfrm>
       </p:grpSpPr>
-      <p:sp>
-        <p:nvSpPr>
-          <p:cNvPr id="4" name="Rectangle 3"/>
-          <p:cNvSpPr/>
-          <p:nvPr/>
-        </p:nvSpPr>
-        <p:spPr>
-          <a:xfrm>
-            <a:off x="0" y="0"/>
-            <a:ext cx="12192000" cy="2310063"/>
-          </a:xfrm>
-          <a:prstGeom prst="rect">
-            <a:avLst/>
-          </a:prstGeom>
-          <a:solidFill>
-            <a:srgbClr val="FF3131"/>
-          </a:solidFill>
-          <a:ln>
-            <a:solidFill>
-              <a:schemeClr val="tx1"/>
-            </a:solidFill>
-          </a:ln>
-        </p:spPr>
-        <p:style>
-          <a:lnRef idx="2">
-            <a:schemeClr val="accent1">
-              <a:shade val="50000"/>
-            </a:schemeClr>
-          </a:lnRef>
-          <a:fillRef idx="1">
-            <a:schemeClr val="accent1"/>
-          </a:fillRef>
-          <a:effectRef idx="0">
-            <a:schemeClr val="accent1"/>
-          </a:effectRef>
-          <a:fontRef idx="minor">
-            <a:schemeClr val="lt1"/>
-          </a:fontRef>
-        </p:style>
-        <p:txBody>
-          <a:bodyPr rtlCol="0" anchor="ctr"/>
-          <a:lstStyle/>
-          <a:p>
-            <a:pPr algn="ctr"/>
-            <a:endParaRPr lang="en-US"/>
-          </a:p>
-        </p:txBody>
-      </p:sp>
-      <p:sp>
-        <p:nvSpPr>
-          <p:cNvPr id="2" name="Title 1"/>
-          <p:cNvSpPr>
-            <a:spLocks noGrp="1"/>
-          </p:cNvSpPr>
-          <p:nvPr>
-            <p:ph type="ctrTitle"/>
-          </p:nvPr>
-        </p:nvSpPr>
-        <p:spPr>
-          <a:xfrm>
-            <a:off x="1251284" y="664234"/>
-            <a:ext cx="9144000" cy="829437"/>
-          </a:xfrm>
-        </p:spPr>
-        <p:txBody>
-          <a:bodyPr>
-            <a:normAutofit/>
-          </a:bodyPr>
-          <a:lstStyle/>
-          <a:p>
-            <a:r>
-              <a:rPr lang="en-US" sz="4500" b="1" dirty="0" smtClean="0">
-                <a:solidFill>
-                  <a:schemeClr val="bg1"/>
-                </a:solidFill>
-              </a:rPr>
-              <a:t>Technologies</a:t>
-            </a:r>
-            <a:endParaRPr lang="en-US" sz="4500" b="1" dirty="0">
-              <a:solidFill>
-                <a:schemeClr val="bg1"/>
-              </a:solidFill>
-            </a:endParaRPr>
-          </a:p>
-        </p:txBody>
-      </p:sp>
-      <p:sp>
-        <p:nvSpPr>
-          <p:cNvPr id="7" name="Round Diagonal Corner Rectangle 6"/>
-          <p:cNvSpPr/>
-          <p:nvPr/>
-        </p:nvSpPr>
-        <p:spPr>
-          <a:xfrm>
-            <a:off x="2510740" y="2717422"/>
-            <a:ext cx="8047992" cy="752292"/>
-          </a:xfrm>
-          <a:prstGeom prst="round2DiagRect">
-            <a:avLst>
-              <a:gd name="adj1" fmla="val 50000"/>
-              <a:gd name="adj2" fmla="val 0"/>
-            </a:avLst>
-          </a:prstGeom>
-        </p:spPr>
-        <p:style>
-          <a:lnRef idx="2">
-            <a:schemeClr val="dk1">
-              <a:shade val="50000"/>
-            </a:schemeClr>
-          </a:lnRef>
-          <a:fillRef idx="1">
-            <a:schemeClr val="dk1"/>
-          </a:fillRef>
-          <a:effectRef idx="0">
-            <a:schemeClr val="dk1"/>
-          </a:effectRef>
-          <a:fontRef idx="minor">
-            <a:schemeClr val="lt1"/>
-          </a:fontRef>
-        </p:style>
-        <p:txBody>
-          <a:bodyPr rtlCol="0" anchor="ctr"/>
-          <a:lstStyle/>
-          <a:p>
-            <a:pPr algn="ctr"/>
-            <a:r>
-              <a:rPr lang="en-US" dirty="0" smtClean="0"/>
-              <a:t>Used to give the HTML5 pages some personality. Users react strongly to a visually stunning page rather than a pure black and white page full of text.</a:t>
-            </a:r>
-            <a:endParaRPr lang="en-US" dirty="0"/>
-          </a:p>
-        </p:txBody>
-      </p:sp>
       <p:pic>
         <p:nvPicPr>
-          <p:cNvPr id="1026" name="Picture 2" descr="Image result for css3 log0"/>
+          <p:cNvPr id="5122" name="Picture 2" descr="https://lh6.googleusercontent.com/bJi4eiwwn9wEeCWBZpyN6nwZDnoiEwxZbxxuIAfr40NF9AcKADpablorVFFvgXqo03vKnOSsMaP_gsIPel3p_lvrYgHTQb2MgLfHCNLDHUVlo9NAJc2g2Rt9iGQg9HOSVx_1rtb8"/>
           <p:cNvPicPr>
             <a:picLocks noChangeAspect="1" noChangeArrowheads="1"/>
           </p:cNvPicPr>
@@ -7507,8 +8206,8 @@
         </p:blipFill>
         <p:spPr bwMode="auto">
           <a:xfrm>
-            <a:off x="1631223" y="2376635"/>
-            <a:ext cx="1033732" cy="1233452"/>
+            <a:off x="1492822" y="2381855"/>
+            <a:ext cx="8807116" cy="4629383"/>
           </a:xfrm>
           <a:prstGeom prst="rect">
             <a:avLst/>
@@ -7527,33 +8226,38 @@
       </p:pic>
       <p:sp>
         <p:nvSpPr>
-          <p:cNvPr id="10" name="Round Diagonal Corner Rectangle 9"/>
+          <p:cNvPr id="4" name="Rectangle 3"/>
           <p:cNvSpPr/>
           <p:nvPr/>
         </p:nvSpPr>
         <p:spPr>
           <a:xfrm>
-            <a:off x="2510740" y="4040099"/>
-            <a:ext cx="8047992" cy="860852"/>
-          </a:xfrm>
-          <a:prstGeom prst="round2DiagRect">
-            <a:avLst>
-              <a:gd name="adj1" fmla="val 50000"/>
-              <a:gd name="adj2" fmla="val 0"/>
-            </a:avLst>
+            <a:off x="0" y="0"/>
+            <a:ext cx="12192000" cy="2310063"/>
+          </a:xfrm>
+          <a:prstGeom prst="rect">
+            <a:avLst/>
           </a:prstGeom>
+          <a:solidFill>
+            <a:srgbClr val="FF3131"/>
+          </a:solidFill>
+          <a:ln>
+            <a:solidFill>
+              <a:schemeClr val="tx1"/>
+            </a:solidFill>
+          </a:ln>
         </p:spPr>
         <p:style>
           <a:lnRef idx="2">
-            <a:schemeClr val="dk1">
+            <a:schemeClr val="accent1">
               <a:shade val="50000"/>
             </a:schemeClr>
           </a:lnRef>
           <a:fillRef idx="1">
-            <a:schemeClr val="dk1"/>
+            <a:schemeClr val="accent1"/>
           </a:fillRef>
           <a:effectRef idx="0">
-            <a:schemeClr val="dk1"/>
+            <a:schemeClr val="accent1"/>
           </a:effectRef>
           <a:fontRef idx="minor">
             <a:schemeClr val="lt1"/>
@@ -7563,150 +8267,53 @@
           <a:bodyPr rtlCol="0" anchor="ctr"/>
           <a:lstStyle/>
           <a:p>
-            <a:r>
-              <a:rPr lang="en-US" dirty="0" smtClean="0"/>
-              <a:t>Used to allow generic users an interface to access our website. The pages will be created in a way such that they allow the user to intuitively know where the locations of various links to different pages are located.</a:t>
-            </a:r>
-            <a:endParaRPr lang="en-US" b="0" dirty="0" smtClean="0">
-              <a:effectLst/>
+            <a:pPr algn="ctr"/>
+            <a:endParaRPr lang="en-US"/>
+          </a:p>
+        </p:txBody>
+      </p:sp>
+      <p:sp>
+        <p:nvSpPr>
+          <p:cNvPr id="2" name="Title 1"/>
+          <p:cNvSpPr>
+            <a:spLocks noGrp="1"/>
+          </p:cNvSpPr>
+          <p:nvPr>
+            <p:ph type="ctrTitle"/>
+          </p:nvPr>
+        </p:nvSpPr>
+        <p:spPr>
+          <a:xfrm>
+            <a:off x="1251284" y="664234"/>
+            <a:ext cx="9144000" cy="829437"/>
+          </a:xfrm>
+        </p:spPr>
+        <p:txBody>
+          <a:bodyPr>
+            <a:normAutofit/>
+          </a:bodyPr>
+          <a:lstStyle/>
+          <a:p>
+            <a:r>
+              <a:rPr lang="en-US" sz="4500" b="1" dirty="0" smtClean="0">
+                <a:solidFill>
+                  <a:schemeClr val="bg1"/>
+                </a:solidFill>
+              </a:rPr>
+              <a:t>Site Map</a:t>
+            </a:r>
+            <a:endParaRPr lang="en-US" sz="4500" b="1" dirty="0">
+              <a:solidFill>
+                <a:schemeClr val="bg1"/>
+              </a:solidFill>
             </a:endParaRPr>
           </a:p>
         </p:txBody>
       </p:sp>
-      <p:pic>
-        <p:nvPicPr>
-          <p:cNvPr id="1028" name="Picture 4" descr="Image result for html5"/>
-          <p:cNvPicPr>
-            <a:picLocks noChangeAspect="1" noChangeArrowheads="1"/>
-          </p:cNvPicPr>
-          <p:nvPr/>
-        </p:nvPicPr>
-        <p:blipFill>
-          <a:blip r:embed="rId3" cstate="print">
-            <a:extLst>
-              <a:ext uri="{28A0092B-C50C-407E-A947-70E740481C1C}">
-                <a14:useLocalDpi xmlns:a14="http://schemas.microsoft.com/office/drawing/2010/main" val="0"/>
-              </a:ext>
-            </a:extLst>
-          </a:blip>
-          <a:srcRect/>
-          <a:stretch>
-            <a:fillRect/>
-          </a:stretch>
-        </p:blipFill>
-        <p:spPr bwMode="auto">
-          <a:xfrm>
-            <a:off x="1449915" y="3720282"/>
-            <a:ext cx="1457263" cy="1457263"/>
-          </a:xfrm>
-          <a:prstGeom prst="rect">
-            <a:avLst/>
-          </a:prstGeom>
-          <a:noFill/>
-          <a:extLst>
-            <a:ext uri="{909E8E84-426E-40DD-AFC4-6F175D3DCCD1}">
-              <a14:hiddenFill xmlns:a14="http://schemas.microsoft.com/office/drawing/2010/main">
-                <a:solidFill>
-                  <a:srgbClr val="FFFFFF"/>
-                </a:solidFill>
-              </a14:hiddenFill>
-            </a:ext>
-          </a:extLst>
-        </p:spPr>
-      </p:pic>
-      <p:sp>
-        <p:nvSpPr>
-          <p:cNvPr id="16" name="Round Diagonal Corner Rectangle 15"/>
-          <p:cNvSpPr/>
-          <p:nvPr/>
-        </p:nvSpPr>
-        <p:spPr>
-          <a:xfrm>
-            <a:off x="2510740" y="5317504"/>
-            <a:ext cx="8047992" cy="860852"/>
-          </a:xfrm>
-          <a:prstGeom prst="round2DiagRect">
-            <a:avLst>
-              <a:gd name="adj1" fmla="val 50000"/>
-              <a:gd name="adj2" fmla="val 0"/>
-            </a:avLst>
-          </a:prstGeom>
-        </p:spPr>
-        <p:style>
-          <a:lnRef idx="2">
-            <a:schemeClr val="dk1">
-              <a:shade val="50000"/>
-            </a:schemeClr>
-          </a:lnRef>
-          <a:fillRef idx="1">
-            <a:schemeClr val="dk1"/>
-          </a:fillRef>
-          <a:effectRef idx="0">
-            <a:schemeClr val="dk1"/>
-          </a:effectRef>
-          <a:fontRef idx="minor">
-            <a:schemeClr val="lt1"/>
-          </a:fontRef>
-        </p:style>
-        <p:txBody>
-          <a:bodyPr rtlCol="0" anchor="ctr"/>
-          <a:lstStyle/>
-          <a:p>
-            <a:r>
-              <a:rPr lang="en-US" dirty="0" smtClean="0"/>
-              <a:t>Used to add interactivity to the web page and dynamically load in data.</a:t>
-            </a:r>
-            <a:endParaRPr lang="en-US" b="0" dirty="0" smtClean="0">
-              <a:effectLst/>
-            </a:endParaRPr>
-          </a:p>
-        </p:txBody>
-      </p:sp>
-      <p:pic>
-        <p:nvPicPr>
-          <p:cNvPr id="1032" name="Picture 8" descr="Image result for javascript logo"/>
-          <p:cNvPicPr>
-            <a:picLocks noChangeAspect="1" noChangeArrowheads="1"/>
-          </p:cNvPicPr>
-          <p:nvPr/>
-        </p:nvPicPr>
-        <p:blipFill>
-          <a:blip r:embed="rId4">
-            <a:extLst>
-              <a:ext uri="{28A0092B-C50C-407E-A947-70E740481C1C}">
-                <a14:useLocalDpi xmlns:a14="http://schemas.microsoft.com/office/drawing/2010/main" val="0"/>
-              </a:ext>
-            </a:extLst>
-          </a:blip>
-          <a:srcRect/>
-          <a:stretch>
-            <a:fillRect/>
-          </a:stretch>
-        </p:blipFill>
-        <p:spPr bwMode="auto">
-          <a:xfrm>
-            <a:off x="1449915" y="5246646"/>
-            <a:ext cx="1449013" cy="1449013"/>
-          </a:xfrm>
-          <a:prstGeom prst="rect">
-            <a:avLst/>
-          </a:prstGeom>
-          <a:noFill/>
-          <a:extLst>
-            <a:ext uri="{909E8E84-426E-40DD-AFC4-6F175D3DCCD1}">
-              <a14:hiddenFill xmlns:a14="http://schemas.microsoft.com/office/drawing/2010/main">
-                <a:solidFill>
-                  <a:srgbClr val="FFFFFF"/>
-                </a:solidFill>
-              </a14:hiddenFill>
-            </a:ext>
-          </a:extLst>
-        </p:spPr>
-      </p:pic>
     </p:spTree>
     <p:extLst>
       <p:ext uri="{BB962C8B-B14F-4D97-AF65-F5344CB8AC3E}">
-        <p14:creationId xmlns:p14="http://schemas.microsoft.com/office/powerpoint/2010/main" val="698960501"/>
+        <p14:creationId xmlns:p14="http://schemas.microsoft.com/office/powerpoint/2010/main" val="3780789079"/>
       </p:ext>
     </p:extLst>
   </p:cSld>

--- a/final_presentation.pptx
+++ b/final_presentation.pptx
@@ -197,10 +197,9 @@
           </a:lstStyle>
           <a:p>
             <a:r>
-              <a:rPr lang="en-US" smtClean="0"/>
+              <a:rPr lang="en-US"/>
               <a:t>Click to edit Master title style</a:t>
             </a:r>
-            <a:endParaRPr lang="en-US"/>
           </a:p>
         </p:txBody>
       </p:sp>
@@ -262,10 +261,9 @@
           </a:lstStyle>
           <a:p>
             <a:r>
-              <a:rPr lang="en-US" smtClean="0"/>
+              <a:rPr lang="en-US"/>
               <a:t>Click to edit Master subtitle style</a:t>
             </a:r>
-            <a:endParaRPr lang="en-US"/>
           </a:p>
         </p:txBody>
       </p:sp>
@@ -380,10 +378,9 @@
           <a:lstStyle/>
           <a:p>
             <a:r>
-              <a:rPr lang="en-US" smtClean="0"/>
+              <a:rPr lang="en-US"/>
               <a:t>Click to edit Master title style</a:t>
             </a:r>
-            <a:endParaRPr lang="en-US"/>
           </a:p>
         </p:txBody>
       </p:sp>
@@ -404,38 +401,37 @@
           <a:p>
             <a:pPr lvl="0"/>
             <a:r>
-              <a:rPr lang="en-US" smtClean="0"/>
+              <a:rPr lang="en-US"/>
               <a:t>Click to edit Master text styles</a:t>
             </a:r>
           </a:p>
           <a:p>
             <a:pPr lvl="1"/>
             <a:r>
-              <a:rPr lang="en-US" smtClean="0"/>
+              <a:rPr lang="en-US"/>
               <a:t>Second level</a:t>
             </a:r>
           </a:p>
           <a:p>
             <a:pPr lvl="2"/>
             <a:r>
-              <a:rPr lang="en-US" smtClean="0"/>
+              <a:rPr lang="en-US"/>
               <a:t>Third level</a:t>
             </a:r>
           </a:p>
           <a:p>
             <a:pPr lvl="3"/>
             <a:r>
-              <a:rPr lang="en-US" smtClean="0"/>
+              <a:rPr lang="en-US"/>
               <a:t>Fourth level</a:t>
             </a:r>
           </a:p>
           <a:p>
             <a:pPr lvl="4"/>
             <a:r>
-              <a:rPr lang="en-US" smtClean="0"/>
+              <a:rPr lang="en-US"/>
               <a:t>Fifth level</a:t>
             </a:r>
-            <a:endParaRPr lang="en-US"/>
           </a:p>
         </p:txBody>
       </p:sp>
@@ -555,10 +551,9 @@
           <a:lstStyle/>
           <a:p>
             <a:r>
-              <a:rPr lang="en-US" smtClean="0"/>
+              <a:rPr lang="en-US"/>
               <a:t>Click to edit Master title style</a:t>
             </a:r>
-            <a:endParaRPr lang="en-US"/>
           </a:p>
         </p:txBody>
       </p:sp>
@@ -584,38 +579,37 @@
           <a:p>
             <a:pPr lvl="0"/>
             <a:r>
-              <a:rPr lang="en-US" smtClean="0"/>
+              <a:rPr lang="en-US"/>
               <a:t>Click to edit Master text styles</a:t>
             </a:r>
           </a:p>
           <a:p>
             <a:pPr lvl="1"/>
             <a:r>
-              <a:rPr lang="en-US" smtClean="0"/>
+              <a:rPr lang="en-US"/>
               <a:t>Second level</a:t>
             </a:r>
           </a:p>
           <a:p>
             <a:pPr lvl="2"/>
             <a:r>
-              <a:rPr lang="en-US" smtClean="0"/>
+              <a:rPr lang="en-US"/>
               <a:t>Third level</a:t>
             </a:r>
           </a:p>
           <a:p>
             <a:pPr lvl="3"/>
             <a:r>
-              <a:rPr lang="en-US" smtClean="0"/>
+              <a:rPr lang="en-US"/>
               <a:t>Fourth level</a:t>
             </a:r>
           </a:p>
           <a:p>
             <a:pPr lvl="4"/>
             <a:r>
-              <a:rPr lang="en-US" smtClean="0"/>
+              <a:rPr lang="en-US"/>
               <a:t>Fifth level</a:t>
             </a:r>
-            <a:endParaRPr lang="en-US"/>
           </a:p>
         </p:txBody>
       </p:sp>
@@ -730,10 +724,9 @@
           <a:lstStyle/>
           <a:p>
             <a:r>
-              <a:rPr lang="en-US" smtClean="0"/>
+              <a:rPr lang="en-US"/>
               <a:t>Click to edit Master title style</a:t>
             </a:r>
-            <a:endParaRPr lang="en-US"/>
           </a:p>
         </p:txBody>
       </p:sp>
@@ -754,38 +747,37 @@
           <a:p>
             <a:pPr lvl="0"/>
             <a:r>
-              <a:rPr lang="en-US" smtClean="0"/>
+              <a:rPr lang="en-US"/>
               <a:t>Click to edit Master text styles</a:t>
             </a:r>
           </a:p>
           <a:p>
             <a:pPr lvl="1"/>
             <a:r>
-              <a:rPr lang="en-US" smtClean="0"/>
+              <a:rPr lang="en-US"/>
               <a:t>Second level</a:t>
             </a:r>
           </a:p>
           <a:p>
             <a:pPr lvl="2"/>
             <a:r>
-              <a:rPr lang="en-US" smtClean="0"/>
+              <a:rPr lang="en-US"/>
               <a:t>Third level</a:t>
             </a:r>
           </a:p>
           <a:p>
             <a:pPr lvl="3"/>
             <a:r>
-              <a:rPr lang="en-US" smtClean="0"/>
+              <a:rPr lang="en-US"/>
               <a:t>Fourth level</a:t>
             </a:r>
           </a:p>
           <a:p>
             <a:pPr lvl="4"/>
             <a:r>
-              <a:rPr lang="en-US" smtClean="0"/>
+              <a:rPr lang="en-US"/>
               <a:t>Fifth level</a:t>
             </a:r>
-            <a:endParaRPr lang="en-US"/>
           </a:p>
         </p:txBody>
       </p:sp>
@@ -909,10 +901,9 @@
           </a:lstStyle>
           <a:p>
             <a:r>
-              <a:rPr lang="en-US" smtClean="0"/>
+              <a:rPr lang="en-US"/>
               <a:t>Click to edit Master title style</a:t>
             </a:r>
-            <a:endParaRPr lang="en-US"/>
           </a:p>
         </p:txBody>
       </p:sp>
@@ -1029,7 +1020,7 @@
           <a:p>
             <a:pPr lvl="0"/>
             <a:r>
-              <a:rPr lang="en-US" smtClean="0"/>
+              <a:rPr lang="en-US"/>
               <a:t>Click to edit Master text styles</a:t>
             </a:r>
           </a:p>
@@ -1146,10 +1137,9 @@
           <a:lstStyle/>
           <a:p>
             <a:r>
-              <a:rPr lang="en-US" smtClean="0"/>
+              <a:rPr lang="en-US"/>
               <a:t>Click to edit Master title style</a:t>
             </a:r>
-            <a:endParaRPr lang="en-US"/>
           </a:p>
         </p:txBody>
       </p:sp>
@@ -1175,38 +1165,37 @@
           <a:p>
             <a:pPr lvl="0"/>
             <a:r>
-              <a:rPr lang="en-US" smtClean="0"/>
+              <a:rPr lang="en-US"/>
               <a:t>Click to edit Master text styles</a:t>
             </a:r>
           </a:p>
           <a:p>
             <a:pPr lvl="1"/>
             <a:r>
-              <a:rPr lang="en-US" smtClean="0"/>
+              <a:rPr lang="en-US"/>
               <a:t>Second level</a:t>
             </a:r>
           </a:p>
           <a:p>
             <a:pPr lvl="2"/>
             <a:r>
-              <a:rPr lang="en-US" smtClean="0"/>
+              <a:rPr lang="en-US"/>
               <a:t>Third level</a:t>
             </a:r>
           </a:p>
           <a:p>
             <a:pPr lvl="3"/>
             <a:r>
-              <a:rPr lang="en-US" smtClean="0"/>
+              <a:rPr lang="en-US"/>
               <a:t>Fourth level</a:t>
             </a:r>
           </a:p>
           <a:p>
             <a:pPr lvl="4"/>
             <a:r>
-              <a:rPr lang="en-US" smtClean="0"/>
+              <a:rPr lang="en-US"/>
               <a:t>Fifth level</a:t>
             </a:r>
-            <a:endParaRPr lang="en-US"/>
           </a:p>
         </p:txBody>
       </p:sp>
@@ -1232,38 +1221,37 @@
           <a:p>
             <a:pPr lvl="0"/>
             <a:r>
-              <a:rPr lang="en-US" smtClean="0"/>
+              <a:rPr lang="en-US"/>
               <a:t>Click to edit Master text styles</a:t>
             </a:r>
           </a:p>
           <a:p>
             <a:pPr lvl="1"/>
             <a:r>
-              <a:rPr lang="en-US" smtClean="0"/>
+              <a:rPr lang="en-US"/>
               <a:t>Second level</a:t>
             </a:r>
           </a:p>
           <a:p>
             <a:pPr lvl="2"/>
             <a:r>
-              <a:rPr lang="en-US" smtClean="0"/>
+              <a:rPr lang="en-US"/>
               <a:t>Third level</a:t>
             </a:r>
           </a:p>
           <a:p>
             <a:pPr lvl="3"/>
             <a:r>
-              <a:rPr lang="en-US" smtClean="0"/>
+              <a:rPr lang="en-US"/>
               <a:t>Fourth level</a:t>
             </a:r>
           </a:p>
           <a:p>
             <a:pPr lvl="4"/>
             <a:r>
-              <a:rPr lang="en-US" smtClean="0"/>
+              <a:rPr lang="en-US"/>
               <a:t>Fifth level</a:t>
             </a:r>
-            <a:endParaRPr lang="en-US"/>
           </a:p>
         </p:txBody>
       </p:sp>
@@ -1383,10 +1371,9 @@
           <a:lstStyle/>
           <a:p>
             <a:r>
-              <a:rPr lang="en-US" smtClean="0"/>
+              <a:rPr lang="en-US"/>
               <a:t>Click to edit Master title style</a:t>
             </a:r>
-            <a:endParaRPr lang="en-US"/>
           </a:p>
         </p:txBody>
       </p:sp>
@@ -1449,7 +1436,7 @@
           <a:p>
             <a:pPr lvl="0"/>
             <a:r>
-              <a:rPr lang="en-US" smtClean="0"/>
+              <a:rPr lang="en-US"/>
               <a:t>Click to edit Master text styles</a:t>
             </a:r>
           </a:p>
@@ -1477,38 +1464,37 @@
           <a:p>
             <a:pPr lvl="0"/>
             <a:r>
-              <a:rPr lang="en-US" smtClean="0"/>
+              <a:rPr lang="en-US"/>
               <a:t>Click to edit Master text styles</a:t>
             </a:r>
           </a:p>
           <a:p>
             <a:pPr lvl="1"/>
             <a:r>
-              <a:rPr lang="en-US" smtClean="0"/>
+              <a:rPr lang="en-US"/>
               <a:t>Second level</a:t>
             </a:r>
           </a:p>
           <a:p>
             <a:pPr lvl="2"/>
             <a:r>
-              <a:rPr lang="en-US" smtClean="0"/>
+              <a:rPr lang="en-US"/>
               <a:t>Third level</a:t>
             </a:r>
           </a:p>
           <a:p>
             <a:pPr lvl="3"/>
             <a:r>
-              <a:rPr lang="en-US" smtClean="0"/>
+              <a:rPr lang="en-US"/>
               <a:t>Fourth level</a:t>
             </a:r>
           </a:p>
           <a:p>
             <a:pPr lvl="4"/>
             <a:r>
-              <a:rPr lang="en-US" smtClean="0"/>
+              <a:rPr lang="en-US"/>
               <a:t>Fifth level</a:t>
             </a:r>
-            <a:endParaRPr lang="en-US"/>
           </a:p>
         </p:txBody>
       </p:sp>
@@ -1571,7 +1557,7 @@
           <a:p>
             <a:pPr lvl="0"/>
             <a:r>
-              <a:rPr lang="en-US" smtClean="0"/>
+              <a:rPr lang="en-US"/>
               <a:t>Click to edit Master text styles</a:t>
             </a:r>
           </a:p>
@@ -1599,38 +1585,37 @@
           <a:p>
             <a:pPr lvl="0"/>
             <a:r>
-              <a:rPr lang="en-US" smtClean="0"/>
+              <a:rPr lang="en-US"/>
               <a:t>Click to edit Master text styles</a:t>
             </a:r>
           </a:p>
           <a:p>
             <a:pPr lvl="1"/>
             <a:r>
-              <a:rPr lang="en-US" smtClean="0"/>
+              <a:rPr lang="en-US"/>
               <a:t>Second level</a:t>
             </a:r>
           </a:p>
           <a:p>
             <a:pPr lvl="2"/>
             <a:r>
-              <a:rPr lang="en-US" smtClean="0"/>
+              <a:rPr lang="en-US"/>
               <a:t>Third level</a:t>
             </a:r>
           </a:p>
           <a:p>
             <a:pPr lvl="3"/>
             <a:r>
-              <a:rPr lang="en-US" smtClean="0"/>
+              <a:rPr lang="en-US"/>
               <a:t>Fourth level</a:t>
             </a:r>
           </a:p>
           <a:p>
             <a:pPr lvl="4"/>
             <a:r>
-              <a:rPr lang="en-US" smtClean="0"/>
+              <a:rPr lang="en-US"/>
               <a:t>Fifth level</a:t>
             </a:r>
-            <a:endParaRPr lang="en-US"/>
           </a:p>
         </p:txBody>
       </p:sp>
@@ -1745,10 +1730,9 @@
           <a:lstStyle/>
           <a:p>
             <a:r>
-              <a:rPr lang="en-US" smtClean="0"/>
+              <a:rPr lang="en-US"/>
               <a:t>Click to edit Master title style</a:t>
             </a:r>
-            <a:endParaRPr lang="en-US"/>
           </a:p>
         </p:txBody>
       </p:sp>
@@ -1967,10 +1951,9 @@
           </a:lstStyle>
           <a:p>
             <a:r>
-              <a:rPr lang="en-US" smtClean="0"/>
+              <a:rPr lang="en-US"/>
               <a:t>Click to edit Master title style</a:t>
             </a:r>
-            <a:endParaRPr lang="en-US"/>
           </a:p>
         </p:txBody>
       </p:sp>
@@ -2024,38 +2007,37 @@
           <a:p>
             <a:pPr lvl="0"/>
             <a:r>
-              <a:rPr lang="en-US" smtClean="0"/>
+              <a:rPr lang="en-US"/>
               <a:t>Click to edit Master text styles</a:t>
             </a:r>
           </a:p>
           <a:p>
             <a:pPr lvl="1"/>
             <a:r>
-              <a:rPr lang="en-US" smtClean="0"/>
+              <a:rPr lang="en-US"/>
               <a:t>Second level</a:t>
             </a:r>
           </a:p>
           <a:p>
             <a:pPr lvl="2"/>
             <a:r>
-              <a:rPr lang="en-US" smtClean="0"/>
+              <a:rPr lang="en-US"/>
               <a:t>Third level</a:t>
             </a:r>
           </a:p>
           <a:p>
             <a:pPr lvl="3"/>
             <a:r>
-              <a:rPr lang="en-US" smtClean="0"/>
+              <a:rPr lang="en-US"/>
               <a:t>Fourth level</a:t>
             </a:r>
           </a:p>
           <a:p>
             <a:pPr lvl="4"/>
             <a:r>
-              <a:rPr lang="en-US" smtClean="0"/>
+              <a:rPr lang="en-US"/>
               <a:t>Fifth level</a:t>
             </a:r>
-            <a:endParaRPr lang="en-US"/>
           </a:p>
         </p:txBody>
       </p:sp>
@@ -2118,7 +2100,7 @@
           <a:p>
             <a:pPr lvl="0"/>
             <a:r>
-              <a:rPr lang="en-US" smtClean="0"/>
+              <a:rPr lang="en-US"/>
               <a:t>Click to edit Master text styles</a:t>
             </a:r>
           </a:p>
@@ -2244,10 +2226,9 @@
           </a:lstStyle>
           <a:p>
             <a:r>
-              <a:rPr lang="en-US" smtClean="0"/>
+              <a:rPr lang="en-US"/>
               <a:t>Click to edit Master title style</a:t>
             </a:r>
-            <a:endParaRPr lang="en-US"/>
           </a:p>
         </p:txBody>
       </p:sp>
@@ -2371,7 +2352,7 @@
           <a:p>
             <a:pPr lvl="0"/>
             <a:r>
-              <a:rPr lang="en-US" smtClean="0"/>
+              <a:rPr lang="en-US"/>
               <a:t>Click to edit Master text styles</a:t>
             </a:r>
           </a:p>
@@ -2503,10 +2484,9 @@
           <a:lstStyle/>
           <a:p>
             <a:r>
-              <a:rPr lang="en-US" smtClean="0"/>
+              <a:rPr lang="en-US"/>
               <a:t>Click to edit Master title style</a:t>
             </a:r>
-            <a:endParaRPr lang="en-US"/>
           </a:p>
         </p:txBody>
       </p:sp>
@@ -2537,38 +2517,37 @@
           <a:p>
             <a:pPr lvl="0"/>
             <a:r>
-              <a:rPr lang="en-US" smtClean="0"/>
+              <a:rPr lang="en-US"/>
               <a:t>Click to edit Master text styles</a:t>
             </a:r>
           </a:p>
           <a:p>
             <a:pPr lvl="1"/>
             <a:r>
-              <a:rPr lang="en-US" smtClean="0"/>
+              <a:rPr lang="en-US"/>
               <a:t>Second level</a:t>
             </a:r>
           </a:p>
           <a:p>
             <a:pPr lvl="2"/>
             <a:r>
-              <a:rPr lang="en-US" smtClean="0"/>
+              <a:rPr lang="en-US"/>
               <a:t>Third level</a:t>
             </a:r>
           </a:p>
           <a:p>
             <a:pPr lvl="3"/>
             <a:r>
-              <a:rPr lang="en-US" smtClean="0"/>
+              <a:rPr lang="en-US"/>
               <a:t>Fourth level</a:t>
             </a:r>
           </a:p>
           <a:p>
             <a:pPr lvl="4"/>
             <a:r>
-              <a:rPr lang="en-US" smtClean="0"/>
+              <a:rPr lang="en-US"/>
               <a:t>Fifth level</a:t>
             </a:r>
-            <a:endParaRPr lang="en-US"/>
           </a:p>
         </p:txBody>
       </p:sp>
@@ -3035,34 +3014,33 @@
           <a:lstStyle/>
           <a:p>
             <a:r>
-              <a:rPr lang="en-US" dirty="0" smtClean="0"/>
+              <a:rPr lang="en-US" dirty="0"/>
               <a:t>Developed by</a:t>
             </a:r>
           </a:p>
           <a:p>
             <a:r>
-              <a:rPr lang="en-US" dirty="0" smtClean="0"/>
+              <a:rPr lang="en-US" dirty="0"/>
               <a:t>Trulee Hersh</a:t>
             </a:r>
           </a:p>
           <a:p>
             <a:r>
-              <a:rPr lang="en-US" dirty="0" smtClean="0"/>
+              <a:rPr lang="en-US" dirty="0"/>
               <a:t>Carolyn Zhang</a:t>
             </a:r>
           </a:p>
           <a:p>
             <a:r>
-              <a:rPr lang="en-US" dirty="0" smtClean="0"/>
+              <a:rPr lang="en-US" dirty="0"/>
               <a:t>Harman Singh</a:t>
             </a:r>
           </a:p>
           <a:p>
             <a:r>
-              <a:rPr lang="en-US" dirty="0" smtClean="0"/>
+              <a:rPr lang="en-US" dirty="0"/>
               <a:t>Jon-Luke Williams</a:t>
             </a:r>
-            <a:endParaRPr lang="en-US" dirty="0"/>
           </a:p>
         </p:txBody>
       </p:sp>
@@ -3137,7 +3115,7 @@
           <a:lstStyle/>
           <a:p>
             <a:r>
-              <a:rPr lang="en-US" b="1" dirty="0" smtClean="0">
+              <a:rPr lang="en-US" b="1" dirty="0">
                 <a:solidFill>
                   <a:schemeClr val="bg1"/>
                 </a:solidFill>
@@ -3145,14 +3123,14 @@
               <a:t>RPI Events</a:t>
             </a:r>
             <a:br>
-              <a:rPr lang="en-US" b="1" dirty="0" smtClean="0">
+              <a:rPr lang="en-US" b="1" dirty="0">
                 <a:solidFill>
                   <a:schemeClr val="bg1"/>
                 </a:solidFill>
               </a:rPr>
             </a:br>
             <a:r>
-              <a:rPr lang="en-US" sz="2400" b="1" dirty="0" smtClean="0">
+              <a:rPr lang="en-US" sz="2400" b="1" dirty="0">
                 <a:solidFill>
                   <a:schemeClr val="bg1"/>
                 </a:solidFill>
@@ -3177,13 +3155,6 @@
   <p:clrMapOvr>
     <a:masterClrMapping/>
   </p:clrMapOvr>
-  <p:timing>
-    <p:tnLst>
-      <p:par>
-        <p:cTn id="1" dur="indefinite" restart="never" nodeType="tmRoot"/>
-      </p:par>
-    </p:tnLst>
-  </p:timing>
 </p:sld>
 </file>
 
@@ -3275,18 +3246,13 @@
           <a:lstStyle/>
           <a:p>
             <a:r>
-              <a:rPr lang="en-US" sz="4500" b="1" dirty="0" smtClean="0">
+              <a:rPr lang="en-US" sz="4500" b="1" dirty="0">
                 <a:solidFill>
                   <a:schemeClr val="bg1"/>
                 </a:solidFill>
               </a:rPr>
               <a:t>Technologies</a:t>
             </a:r>
-            <a:endParaRPr lang="en-US" sz="4500" b="1" dirty="0">
-              <a:solidFill>
-                <a:schemeClr val="bg1"/>
-              </a:solidFill>
-            </a:endParaRPr>
           </a:p>
         </p:txBody>
       </p:sp>
@@ -3330,10 +3296,9 @@
           <a:p>
             <a:pPr algn="ctr"/>
             <a:r>
-              <a:rPr lang="en-US" dirty="0" smtClean="0"/>
+              <a:rPr lang="en-US" dirty="0"/>
               <a:t>Used to give the HTML5 pages some personality. Users react strongly to a visually stunning page rather than a pure black and white page full of text.</a:t>
             </a:r>
-            <a:endParaRPr lang="en-US" dirty="0"/>
           </a:p>
         </p:txBody>
       </p:sp>
@@ -3417,10 +3382,10 @@
           <a:lstStyle/>
           <a:p>
             <a:r>
-              <a:rPr lang="en-US" dirty="0" smtClean="0"/>
+              <a:rPr lang="en-US" dirty="0"/>
               <a:t>Used to allow generic users an interface to access our website. The pages will be created in a way such that they allow the user to intuitively know where the locations of various links to different pages are located.</a:t>
             </a:r>
-            <a:endParaRPr lang="en-US" b="0" dirty="0" smtClean="0">
+            <a:endParaRPr lang="en-US" b="0" dirty="0">
               <a:effectLst/>
             </a:endParaRPr>
           </a:p>
@@ -3506,10 +3471,10 @@
           <a:lstStyle/>
           <a:p>
             <a:r>
-              <a:rPr lang="en-US" dirty="0" smtClean="0"/>
+              <a:rPr lang="en-US" dirty="0"/>
               <a:t>Used to add interactivity to the web page and dynamically load in data.</a:t>
             </a:r>
-            <a:endParaRPr lang="en-US" b="0" dirty="0" smtClean="0">
+            <a:endParaRPr lang="en-US" b="0" dirty="0">
               <a:effectLst/>
             </a:endParaRPr>
           </a:p>
@@ -3566,13 +3531,6 @@
   <p:clrMapOvr>
     <a:masterClrMapping/>
   </p:clrMapOvr>
-  <p:timing>
-    <p:tnLst>
-      <p:par>
-        <p:cTn id="1" dur="indefinite" restart="never" nodeType="tmRoot"/>
-      </p:par>
-    </p:tnLst>
-  </p:timing>
 </p:sld>
 </file>
 
@@ -3688,18 +3646,13 @@
           <a:lstStyle/>
           <a:p>
             <a:r>
-              <a:rPr lang="en-US" sz="4500" b="1" dirty="0" smtClean="0">
+              <a:rPr lang="en-US" sz="4500" b="1" dirty="0">
                 <a:solidFill>
                   <a:schemeClr val="bg1"/>
                 </a:solidFill>
               </a:rPr>
               <a:t>Wireframes</a:t>
             </a:r>
-            <a:endParaRPr lang="en-US" sz="4500" b="1" dirty="0">
-              <a:solidFill>
-                <a:schemeClr val="bg1"/>
-              </a:solidFill>
-            </a:endParaRPr>
           </a:p>
         </p:txBody>
       </p:sp>
@@ -3760,13 +3713,6 @@
   <p:clrMapOvr>
     <a:masterClrMapping/>
   </p:clrMapOvr>
-  <p:timing>
-    <p:tnLst>
-      <p:par>
-        <p:cTn id="1" dur="indefinite" restart="never" nodeType="tmRoot"/>
-      </p:par>
-    </p:tnLst>
-  </p:timing>
 </p:sld>
 </file>
 
@@ -3884,18 +3830,13 @@
           <a:lstStyle/>
           <a:p>
             <a:r>
-              <a:rPr lang="en-US" sz="4500" b="1" dirty="0" smtClean="0">
+              <a:rPr lang="en-US" sz="4500" b="1" dirty="0">
                 <a:solidFill>
                   <a:schemeClr val="bg1"/>
                 </a:solidFill>
               </a:rPr>
               <a:t>Backend Design</a:t>
             </a:r>
-            <a:endParaRPr lang="en-US" sz="4500" b="1" dirty="0">
-              <a:solidFill>
-                <a:schemeClr val="bg1"/>
-              </a:solidFill>
-            </a:endParaRPr>
           </a:p>
         </p:txBody>
       </p:sp>
@@ -3923,7 +3864,7 @@
           <a:p>
             <a:pPr algn="ctr"/>
             <a:r>
-              <a:rPr lang="en-US" sz="1600" dirty="0" smtClean="0">
+              <a:rPr lang="en-US" sz="1600" dirty="0">
                 <a:solidFill>
                   <a:schemeClr val="bg1"/>
                 </a:solidFill>
@@ -3934,18 +3875,13 @@
           <a:p>
             <a:pPr algn="ctr"/>
             <a:r>
-              <a:rPr lang="en-US" sz="1600" dirty="0" smtClean="0">
+              <a:rPr lang="en-US" sz="1600" dirty="0">
                 <a:solidFill>
                   <a:schemeClr val="bg1"/>
                 </a:solidFill>
               </a:rPr>
               <a:t>Jon-Luke Williams</a:t>
             </a:r>
-            <a:endParaRPr lang="en-US" sz="1600" dirty="0">
-              <a:solidFill>
-                <a:schemeClr val="bg1"/>
-              </a:solidFill>
-            </a:endParaRPr>
           </a:p>
         </p:txBody>
       </p:sp>
@@ -3959,13 +3895,6 @@
   <p:clrMapOvr>
     <a:masterClrMapping/>
   </p:clrMapOvr>
-  <p:timing>
-    <p:tnLst>
-      <p:par>
-        <p:cTn id="1" dur="indefinite" restart="never" nodeType="tmRoot"/>
-      </p:par>
-    </p:tnLst>
-  </p:timing>
 </p:sld>
 </file>
 
@@ -4008,12 +3937,8 @@
           </a:bodyPr>
           <a:lstStyle/>
           <a:p>
-            <a:r>
-              <a:rPr lang="en-US" dirty="0" smtClean="0"/>
-              <a:t/>
-            </a:r>
             <a:br>
-              <a:rPr lang="en-US" dirty="0" smtClean="0"/>
+              <a:rPr lang="en-US" dirty="0"/>
             </a:br>
             <a:endParaRPr lang="en-US" dirty="0"/>
           </a:p>
@@ -4090,18 +4015,13 @@
           <a:lstStyle/>
           <a:p>
             <a:r>
-              <a:rPr lang="en-US" sz="4500" b="1" dirty="0" smtClean="0">
+              <a:rPr lang="en-US" sz="4500" b="1" dirty="0">
                 <a:solidFill>
                   <a:schemeClr val="bg1"/>
                 </a:solidFill>
               </a:rPr>
               <a:t>Technologies</a:t>
             </a:r>
-            <a:endParaRPr lang="en-US" sz="4500" b="1" dirty="0">
-              <a:solidFill>
-                <a:schemeClr val="bg1"/>
-              </a:solidFill>
-            </a:endParaRPr>
           </a:p>
         </p:txBody>
       </p:sp>
@@ -4144,22 +4064,10 @@
           <a:lstStyle/>
           <a:p>
             <a:r>
-              <a:rPr lang="en-US" dirty="0" smtClean="0"/>
-              <a:t>	Used to </a:t>
-            </a:r>
-            <a:r>
-              <a:rPr lang="en-US" dirty="0" smtClean="0"/>
-              <a:t>display data </a:t>
-            </a:r>
-            <a:r>
-              <a:rPr lang="en-US" dirty="0" smtClean="0"/>
-              <a:t>from MYSQL </a:t>
-            </a:r>
-            <a:r>
-              <a:rPr lang="en-US" dirty="0" smtClean="0"/>
-              <a:t>onto events and profile pages.</a:t>
-            </a:r>
-            <a:endParaRPr lang="en-US" b="0" dirty="0" smtClean="0">
+              <a:rPr lang="en-US" dirty="0"/>
+              <a:t>	Used to display data from MYSQL onto events and profile pages.</a:t>
+            </a:r>
+            <a:endParaRPr lang="en-US" b="0" dirty="0">
               <a:effectLst/>
             </a:endParaRPr>
           </a:p>
@@ -4246,16 +4154,16 @@
           <a:p>
             <a:pPr algn="ctr"/>
             <a:r>
-              <a:rPr lang="en-US" dirty="0" smtClean="0"/>
+              <a:rPr lang="en-US" dirty="0"/>
               <a:t>	Used to store the data of different users’ login information and store the different events.</a:t>
             </a:r>
-            <a:endParaRPr lang="en-US" b="0" dirty="0" smtClean="0">
+            <a:endParaRPr lang="en-US" b="0" dirty="0">
               <a:effectLst/>
             </a:endParaRPr>
           </a:p>
           <a:p>
             <a:pPr algn="ctr"/>
-            <a:endParaRPr lang="en-US" b="0" dirty="0" smtClean="0">
+            <a:endParaRPr lang="en-US" b="0" dirty="0">
               <a:effectLst/>
             </a:endParaRPr>
           </a:p>
@@ -4312,13 +4220,6 @@
   <p:clrMapOvr>
     <a:masterClrMapping/>
   </p:clrMapOvr>
-  <p:timing>
-    <p:tnLst>
-      <p:par>
-        <p:cTn id="1" dur="indefinite" restart="never" nodeType="tmRoot"/>
-      </p:par>
-    </p:tnLst>
-  </p:timing>
 </p:sld>
 </file>
 
@@ -4410,18 +4311,13 @@
           <a:lstStyle/>
           <a:p>
             <a:r>
-              <a:rPr lang="en-US" sz="4500" b="1" dirty="0" smtClean="0">
+              <a:rPr lang="en-US" sz="4500" b="1" dirty="0">
                 <a:solidFill>
                   <a:schemeClr val="bg1"/>
                 </a:solidFill>
               </a:rPr>
               <a:t>Database Tables</a:t>
             </a:r>
-            <a:endParaRPr lang="en-US" sz="4500" b="1" dirty="0">
-              <a:solidFill>
-                <a:schemeClr val="bg1"/>
-              </a:solidFill>
-            </a:endParaRPr>
           </a:p>
         </p:txBody>
       </p:sp>
@@ -4459,13 +4355,6 @@
   <p:clrMapOvr>
     <a:masterClrMapping/>
   </p:clrMapOvr>
-  <p:timing>
-    <p:tnLst>
-      <p:par>
-        <p:cTn id="1" dur="indefinite" restart="never" nodeType="tmRoot"/>
-      </p:par>
-    </p:tnLst>
-  </p:timing>
 </p:sld>
 </file>
 
@@ -4596,18 +4485,13 @@
           <a:lstStyle/>
           <a:p>
             <a:r>
-              <a:rPr lang="en-US" sz="4500" b="1" dirty="0" smtClean="0">
+              <a:rPr lang="en-US" sz="4500" b="1" dirty="0">
                 <a:solidFill>
                   <a:schemeClr val="bg1"/>
                 </a:solidFill>
               </a:rPr>
               <a:t>Future Plans</a:t>
             </a:r>
-            <a:endParaRPr lang="en-US" sz="4500" b="1" dirty="0">
-              <a:solidFill>
-                <a:schemeClr val="bg1"/>
-              </a:solidFill>
-            </a:endParaRPr>
           </a:p>
         </p:txBody>
       </p:sp>
@@ -4768,13 +4652,6 @@
   <p:clrMapOvr>
     <a:masterClrMapping/>
   </p:clrMapOvr>
-  <p:timing>
-    <p:tnLst>
-      <p:par>
-        <p:cTn id="1" dur="indefinite" restart="never" nodeType="tmRoot"/>
-      </p:par>
-    </p:tnLst>
-  </p:timing>
 </p:sld>
 </file>
 
@@ -4866,18 +4743,13 @@
           <a:lstStyle/>
           <a:p>
             <a:r>
-              <a:rPr lang="en-US" sz="4500" b="1" dirty="0" smtClean="0">
+              <a:rPr lang="en-US" sz="4500" b="1" dirty="0">
                 <a:solidFill>
                   <a:schemeClr val="bg1"/>
                 </a:solidFill>
               </a:rPr>
               <a:t>Progress Chart and Contributions</a:t>
             </a:r>
-            <a:endParaRPr lang="en-US" sz="4500" b="1" dirty="0">
-              <a:solidFill>
-                <a:schemeClr val="bg1"/>
-              </a:solidFill>
-            </a:endParaRPr>
           </a:p>
         </p:txBody>
       </p:sp>
@@ -4928,7 +4800,7 @@
           <a:lstStyle/>
           <a:p>
             <a:r>
-              <a:rPr lang="en-US" dirty="0" err="1" smtClean="0">
+              <a:rPr lang="en-US" dirty="0" err="1">
                 <a:solidFill>
                   <a:srgbClr val="FF0000"/>
                 </a:solidFill>
@@ -4936,7 +4808,7 @@
               <a:t>Trulee</a:t>
             </a:r>
             <a:r>
-              <a:rPr lang="en-US" dirty="0" smtClean="0">
+              <a:rPr lang="en-US" dirty="0">
                 <a:solidFill>
                   <a:srgbClr val="FF0000"/>
                 </a:solidFill>
@@ -4944,13 +4816,13 @@
               <a:t>: </a:t>
             </a:r>
             <a:r>
-              <a:rPr lang="en-US" dirty="0" smtClean="0"/>
+              <a:rPr lang="en-US" dirty="0"/>
               <a:t>set up project template and implemented front end with JavaScript calls to backend. </a:t>
             </a:r>
           </a:p>
           <a:p>
             <a:r>
-              <a:rPr lang="en-US" dirty="0" smtClean="0">
+              <a:rPr lang="en-US" dirty="0">
                 <a:solidFill>
                   <a:srgbClr val="FF0000"/>
                 </a:solidFill>
@@ -4958,13 +4830,13 @@
               <a:t>Carolyn: </a:t>
             </a:r>
             <a:r>
-              <a:rPr lang="en-US" dirty="0" smtClean="0"/>
+              <a:rPr lang="en-US" dirty="0"/>
               <a:t>set up the database and implemented login authentication and user creation, helped with form validation</a:t>
             </a:r>
           </a:p>
           <a:p>
             <a:r>
-              <a:rPr lang="en-US" dirty="0" smtClean="0">
+              <a:rPr lang="en-US" dirty="0">
                 <a:solidFill>
                   <a:srgbClr val="FF0000"/>
                 </a:solidFill>
@@ -4972,21 +4844,21 @@
               <a:t>Harman: </a:t>
             </a:r>
             <a:r>
-              <a:rPr lang="en-US" dirty="0" smtClean="0"/>
+              <a:rPr lang="en-US" dirty="0"/>
               <a:t>implemented my events and saved events using </a:t>
             </a:r>
             <a:r>
-              <a:rPr lang="en-US" dirty="0" err="1" smtClean="0"/>
+              <a:rPr lang="en-US" dirty="0" err="1"/>
               <a:t>php</a:t>
             </a:r>
             <a:r>
-              <a:rPr lang="en-US" dirty="0" smtClean="0"/>
+              <a:rPr lang="en-US" dirty="0"/>
               <a:t>, helped with form validation</a:t>
             </a:r>
           </a:p>
           <a:p>
             <a:r>
-              <a:rPr lang="en-US" dirty="0" smtClean="0">
+              <a:rPr lang="en-US" dirty="0">
                 <a:solidFill>
                   <a:srgbClr val="FF0000"/>
                 </a:solidFill>
@@ -4994,10 +4866,9 @@
               <a:t>Jon-Luke: </a:t>
             </a:r>
             <a:r>
-              <a:rPr lang="en-US" dirty="0" smtClean="0"/>
+              <a:rPr lang="en-US" dirty="0"/>
               <a:t>created search functionality and helped with documentation</a:t>
             </a:r>
-            <a:endParaRPr lang="en-US" dirty="0"/>
           </a:p>
         </p:txBody>
       </p:sp>
@@ -5011,13 +4882,6 @@
   <p:clrMapOvr>
     <a:masterClrMapping/>
   </p:clrMapOvr>
-  <p:timing>
-    <p:tnLst>
-      <p:par>
-        <p:cTn id="1" dur="indefinite" restart="never" nodeType="tmRoot"/>
-      </p:par>
-    </p:tnLst>
-  </p:timing>
 </p:sld>
 </file>
 
@@ -5109,18 +4973,13 @@
           <a:lstStyle/>
           <a:p>
             <a:r>
-              <a:rPr lang="en-US" sz="4500" b="1" dirty="0" smtClean="0">
+              <a:rPr lang="en-US" sz="4500" b="1" dirty="0">
                 <a:solidFill>
                   <a:schemeClr val="bg1"/>
                 </a:solidFill>
               </a:rPr>
               <a:t>Lessons Learned</a:t>
             </a:r>
-            <a:endParaRPr lang="en-US" sz="4500" b="1" dirty="0">
-              <a:solidFill>
-                <a:schemeClr val="bg1"/>
-              </a:solidFill>
-            </a:endParaRPr>
           </a:p>
         </p:txBody>
       </p:sp>
@@ -5132,7 +4991,7 @@
         </p:nvSpPr>
         <p:spPr>
           <a:xfrm>
-            <a:off x="646980" y="2691441"/>
+            <a:off x="1047357" y="2832314"/>
             <a:ext cx="6435305" cy="852199"/>
           </a:xfrm>
           <a:prstGeom prst="wedgeRectCallout">
@@ -5167,31 +5026,15 @@
           <a:p>
             <a:pPr algn="ctr"/>
             <a:r>
-              <a:rPr lang="en-US" dirty="0" smtClean="0">
-                <a:solidFill>
-                  <a:schemeClr val="tx1"/>
-                </a:solidFill>
-              </a:rPr>
-              <a:t>“I learned </a:t>
-            </a:r>
-            <a:r>
               <a:rPr lang="en-US" dirty="0">
                 <a:solidFill>
                   <a:schemeClr val="tx1"/>
                 </a:solidFill>
               </a:rPr>
-              <a:t>h</a:t>
-            </a:r>
-            <a:r>
-              <a:rPr lang="en-US" dirty="0" smtClean="0">
-                <a:solidFill>
-                  <a:schemeClr val="tx1"/>
-                </a:solidFill>
-              </a:rPr>
-              <a:t>ow to use </a:t>
-            </a:r>
-            <a:r>
-              <a:rPr lang="en-US" dirty="0" err="1" smtClean="0">
+              <a:t>“I learned how to use </a:t>
+            </a:r>
+            <a:r>
+              <a:rPr lang="en-US" dirty="0" err="1">
                 <a:solidFill>
                   <a:schemeClr val="tx1"/>
                 </a:solidFill>
@@ -5199,7 +5042,7 @@
               <a:t>Git</a:t>
             </a:r>
             <a:r>
-              <a:rPr lang="en-US" dirty="0" smtClean="0">
+              <a:rPr lang="en-US" dirty="0">
                 <a:solidFill>
                   <a:schemeClr val="tx1"/>
                 </a:solidFill>
@@ -5207,7 +5050,7 @@
               <a:t>, how to apply technologies to a project,  and </a:t>
             </a:r>
             <a:r>
-              <a:rPr lang="en-US" dirty="0" err="1" smtClean="0">
+              <a:rPr lang="en-US" dirty="0" err="1">
                 <a:solidFill>
                   <a:schemeClr val="tx1"/>
                 </a:solidFill>
@@ -5215,18 +5058,13 @@
               <a:t>StackOverflow</a:t>
             </a:r>
             <a:r>
-              <a:rPr lang="en-US" dirty="0" smtClean="0">
+              <a:rPr lang="en-US" dirty="0">
                 <a:solidFill>
                   <a:schemeClr val="tx1"/>
                 </a:solidFill>
               </a:rPr>
               <a:t> is life”</a:t>
             </a:r>
-            <a:endParaRPr lang="en-US" dirty="0">
-              <a:solidFill>
-                <a:schemeClr val="tx1"/>
-              </a:solidFill>
-            </a:endParaRPr>
           </a:p>
         </p:txBody>
       </p:sp>
@@ -5238,7 +5076,7 @@
         </p:nvSpPr>
         <p:spPr>
           <a:xfrm>
-            <a:off x="5518030" y="3735237"/>
+            <a:off x="3398333" y="3543640"/>
             <a:ext cx="6435305" cy="852199"/>
           </a:xfrm>
           <a:prstGeom prst="wedgeRectCallout">
@@ -5273,7 +5111,7 @@
           <a:p>
             <a:pPr algn="ctr"/>
             <a:r>
-              <a:rPr lang="en-US" dirty="0" smtClean="0">
+              <a:rPr lang="en-US" dirty="0">
                 <a:solidFill>
                   <a:schemeClr val="tx1"/>
                 </a:solidFill>
@@ -5281,7 +5119,7 @@
               <a:t>“I learned how to use PHP and MySQL more in depth. I also learned how to use </a:t>
             </a:r>
             <a:r>
-              <a:rPr lang="en-US" dirty="0" err="1" smtClean="0">
+              <a:rPr lang="en-US" dirty="0" err="1">
                 <a:solidFill>
                   <a:schemeClr val="tx1"/>
                 </a:solidFill>
@@ -5289,18 +5127,13 @@
               <a:t>Git</a:t>
             </a:r>
             <a:r>
-              <a:rPr lang="en-US" dirty="0" smtClean="0">
+              <a:rPr lang="en-US" dirty="0">
                 <a:solidFill>
                   <a:schemeClr val="tx1"/>
                 </a:solidFill>
               </a:rPr>
               <a:t>”</a:t>
             </a:r>
-            <a:endParaRPr lang="en-US" dirty="0">
-              <a:solidFill>
-                <a:schemeClr val="tx1"/>
-              </a:solidFill>
-            </a:endParaRPr>
           </a:p>
         </p:txBody>
       </p:sp>
@@ -5325,7 +5158,7 @@
         </p:blipFill>
         <p:spPr>
           <a:xfrm>
-            <a:off x="198408" y="3925018"/>
+            <a:off x="6699876" y="4395839"/>
             <a:ext cx="1863305" cy="1947306"/>
           </a:xfrm>
           <a:prstGeom prst="ellipse">
@@ -5348,8 +5181,44 @@
         </p:blipFill>
         <p:spPr>
           <a:xfrm>
-            <a:off x="4185248" y="4587436"/>
+            <a:off x="1918398" y="4025686"/>
             <a:ext cx="1910752" cy="1904667"/>
+          </a:xfrm>
+          <a:prstGeom prst="ellipse">
+            <a:avLst/>
+          </a:prstGeom>
+        </p:spPr>
+      </p:pic>
+      <p:pic>
+        <p:nvPicPr>
+          <p:cNvPr id="10" name="Picture 9">
+            <a:extLst>
+              <a:ext uri="{FF2B5EF4-FFF2-40B4-BE49-F238E27FC236}">
+                <a16:creationId xmlns:a16="http://schemas.microsoft.com/office/drawing/2014/main" id="{472CAA13-7FA4-4609-97CC-7357A703CF2C}"/>
+              </a:ext>
+            </a:extLst>
+          </p:cNvPr>
+          <p:cNvPicPr>
+            <a:picLocks noChangeAspect="1"/>
+          </p:cNvPicPr>
+          <p:nvPr/>
+        </p:nvPicPr>
+        <p:blipFill>
+          <a:blip r:embed="rId4">
+            <a:extLst>
+              <a:ext uri="{28A0092B-C50C-407E-A947-70E740481C1C}">
+                <a14:useLocalDpi xmlns:a14="http://schemas.microsoft.com/office/drawing/2010/main" val="0"/>
+              </a:ext>
+            </a:extLst>
+          </a:blip>
+          <a:stretch>
+            <a:fillRect/>
+          </a:stretch>
+        </p:blipFill>
+        <p:spPr>
+          <a:xfrm>
+            <a:off x="410738" y="4025686"/>
+            <a:ext cx="1256326" cy="1947306"/>
           </a:xfrm>
           <a:prstGeom prst="ellipse">
             <a:avLst/>
@@ -5366,13 +5235,6 @@
   <p:clrMapOvr>
     <a:masterClrMapping/>
   </p:clrMapOvr>
-  <p:timing>
-    <p:tnLst>
-      <p:par>
-        <p:cTn id="1" dur="indefinite" restart="never" nodeType="tmRoot"/>
-      </p:par>
-    </p:tnLst>
-  </p:timing>
 </p:sld>
 </file>
 
@@ -5490,18 +5352,13 @@
           <a:lstStyle/>
           <a:p>
             <a:r>
-              <a:rPr lang="en-US" sz="4500" b="1" dirty="0" smtClean="0">
+              <a:rPr lang="en-US" sz="4500" b="1" dirty="0">
                 <a:solidFill>
                   <a:schemeClr val="bg1"/>
                 </a:solidFill>
               </a:rPr>
               <a:t>Questions</a:t>
             </a:r>
-            <a:endParaRPr lang="en-US" sz="4500" b="1" dirty="0">
-              <a:solidFill>
-                <a:schemeClr val="bg1"/>
-              </a:solidFill>
-            </a:endParaRPr>
           </a:p>
         </p:txBody>
       </p:sp>
@@ -5515,13 +5372,6 @@
   <p:clrMapOvr>
     <a:masterClrMapping/>
   </p:clrMapOvr>
-  <p:timing>
-    <p:tnLst>
-      <p:par>
-        <p:cTn id="1" dur="indefinite" restart="never" nodeType="tmRoot"/>
-      </p:par>
-    </p:tnLst>
-  </p:timing>
 </p:sld>
 </file>
 
@@ -5605,7 +5455,7 @@
           <a:p>
             <a:pPr algn="ctr"/>
             <a:r>
-              <a:rPr lang="en-US" dirty="0" smtClean="0">
+              <a:rPr lang="en-US" dirty="0">
                 <a:solidFill>
                   <a:schemeClr val="bg1"/>
                 </a:solidFill>
@@ -5616,18 +5466,13 @@
           <a:p>
             <a:pPr algn="ctr"/>
             <a:r>
-              <a:rPr lang="en-US" dirty="0" smtClean="0">
+              <a:rPr lang="en-US" dirty="0">
                 <a:solidFill>
                   <a:schemeClr val="bg1"/>
                 </a:solidFill>
               </a:rPr>
               <a:t>Development</a:t>
             </a:r>
-            <a:endParaRPr lang="en-US" dirty="0">
-              <a:solidFill>
-                <a:schemeClr val="bg1"/>
-              </a:solidFill>
-            </a:endParaRPr>
           </a:p>
         </p:txBody>
       </p:sp>
@@ -5741,18 +5586,13 @@
           <a:lstStyle/>
           <a:p>
             <a:r>
-              <a:rPr lang="en-US" sz="4500" b="1" dirty="0" smtClean="0">
+              <a:rPr lang="en-US" sz="4500" b="1" dirty="0">
                 <a:solidFill>
                   <a:schemeClr val="bg1"/>
                 </a:solidFill>
               </a:rPr>
               <a:t>Presentation Overview</a:t>
             </a:r>
-            <a:endParaRPr lang="en-US" sz="4500" b="1" dirty="0">
-              <a:solidFill>
-                <a:schemeClr val="bg1"/>
-              </a:solidFill>
-            </a:endParaRPr>
           </a:p>
         </p:txBody>
       </p:sp>
@@ -6030,7 +5870,7 @@
           <a:p>
             <a:pPr algn="ctr"/>
             <a:r>
-              <a:rPr lang="en-US" dirty="0" smtClean="0">
+              <a:rPr lang="en-US" dirty="0">
                 <a:solidFill>
                   <a:schemeClr val="bg1"/>
                 </a:solidFill>
@@ -6041,18 +5881,13 @@
           <a:p>
             <a:pPr algn="ctr"/>
             <a:r>
-              <a:rPr lang="en-US" dirty="0" smtClean="0">
+              <a:rPr lang="en-US" dirty="0">
                 <a:solidFill>
                   <a:schemeClr val="bg1"/>
                 </a:solidFill>
               </a:rPr>
               <a:t>description</a:t>
             </a:r>
-            <a:endParaRPr lang="en-US" dirty="0">
-              <a:solidFill>
-                <a:schemeClr val="bg1"/>
-              </a:solidFill>
-            </a:endParaRPr>
           </a:p>
         </p:txBody>
       </p:sp>
@@ -6080,7 +5915,7 @@
           <a:p>
             <a:pPr algn="ctr"/>
             <a:r>
-              <a:rPr lang="en-US" dirty="0" smtClean="0">
+              <a:rPr lang="en-US" dirty="0">
                 <a:solidFill>
                   <a:schemeClr val="bg1"/>
                 </a:solidFill>
@@ -6091,18 +5926,13 @@
           <a:p>
             <a:pPr algn="ctr"/>
             <a:r>
-              <a:rPr lang="en-US" dirty="0" smtClean="0">
+              <a:rPr lang="en-US" dirty="0">
                 <a:solidFill>
                   <a:schemeClr val="bg1"/>
                 </a:solidFill>
               </a:rPr>
               <a:t>Development</a:t>
             </a:r>
-            <a:endParaRPr lang="en-US" dirty="0">
-              <a:solidFill>
-                <a:schemeClr val="bg1"/>
-              </a:solidFill>
-            </a:endParaRPr>
           </a:p>
         </p:txBody>
       </p:sp>
@@ -6130,7 +5960,7 @@
           <a:p>
             <a:pPr algn="ctr"/>
             <a:r>
-              <a:rPr lang="en-US" dirty="0" smtClean="0">
+              <a:rPr lang="en-US" dirty="0">
                 <a:solidFill>
                   <a:schemeClr val="bg1"/>
                 </a:solidFill>
@@ -6141,18 +5971,13 @@
           <a:p>
             <a:pPr algn="ctr"/>
             <a:r>
-              <a:rPr lang="en-US" dirty="0" smtClean="0">
+              <a:rPr lang="en-US" dirty="0">
                 <a:solidFill>
                   <a:schemeClr val="bg1"/>
                 </a:solidFill>
               </a:rPr>
               <a:t>Plans</a:t>
             </a:r>
-            <a:endParaRPr lang="en-US" dirty="0">
-              <a:solidFill>
-                <a:schemeClr val="bg1"/>
-              </a:solidFill>
-            </a:endParaRPr>
           </a:p>
         </p:txBody>
       </p:sp>
@@ -6180,18 +6005,13 @@
           <a:p>
             <a:pPr algn="ctr"/>
             <a:r>
-              <a:rPr lang="en-US" dirty="0" smtClean="0">
+              <a:rPr lang="en-US" dirty="0">
                 <a:solidFill>
                   <a:schemeClr val="bg1"/>
                 </a:solidFill>
               </a:rPr>
               <a:t>Demo</a:t>
             </a:r>
-            <a:endParaRPr lang="en-US" dirty="0">
-              <a:solidFill>
-                <a:schemeClr val="bg1"/>
-              </a:solidFill>
-            </a:endParaRPr>
           </a:p>
         </p:txBody>
       </p:sp>
@@ -6205,13 +6025,6 @@
   <p:clrMapOvr>
     <a:masterClrMapping/>
   </p:clrMapOvr>
-  <p:timing>
-    <p:tnLst>
-      <p:par>
-        <p:cTn id="1" dur="indefinite" restart="never" nodeType="tmRoot"/>
-      </p:par>
-    </p:tnLst>
-  </p:timing>
 </p:sld>
 </file>
 
@@ -6303,18 +6116,13 @@
           <a:lstStyle/>
           <a:p>
             <a:r>
-              <a:rPr lang="en-US" sz="4500" b="1" dirty="0" smtClean="0">
+              <a:rPr lang="en-US" sz="4500" b="1" dirty="0">
                 <a:solidFill>
                   <a:schemeClr val="bg1"/>
                 </a:solidFill>
               </a:rPr>
               <a:t>Problem Statement</a:t>
             </a:r>
-            <a:endParaRPr lang="en-US" sz="4500" b="1" dirty="0">
-              <a:solidFill>
-                <a:schemeClr val="bg1"/>
-              </a:solidFill>
-            </a:endParaRPr>
           </a:p>
         </p:txBody>
       </p:sp>
@@ -6361,18 +6169,13 @@
           <a:p>
             <a:pPr algn="ctr"/>
             <a:r>
-              <a:rPr lang="en-US" dirty="0" smtClean="0">
+              <a:rPr lang="en-US" dirty="0">
                 <a:solidFill>
                   <a:schemeClr val="tx1"/>
                 </a:solidFill>
               </a:rPr>
               <a:t>No centralized platform for non-official RPI events</a:t>
             </a:r>
-            <a:endParaRPr lang="en-US" dirty="0">
-              <a:solidFill>
-                <a:schemeClr val="tx1"/>
-              </a:solidFill>
-            </a:endParaRPr>
           </a:p>
         </p:txBody>
       </p:sp>
@@ -6421,18 +6224,13 @@
           <a:p>
             <a:pPr algn="ctr"/>
             <a:r>
-              <a:rPr lang="en-US" dirty="0" smtClean="0">
+              <a:rPr lang="en-US" dirty="0">
                 <a:solidFill>
                   <a:schemeClr val="tx1"/>
                 </a:solidFill>
               </a:rPr>
               <a:t>RPI students are not aware of most events that occur on campus</a:t>
             </a:r>
-            <a:endParaRPr lang="en-US" dirty="0">
-              <a:solidFill>
-                <a:schemeClr val="tx1"/>
-              </a:solidFill>
-            </a:endParaRPr>
           </a:p>
         </p:txBody>
       </p:sp>
@@ -6481,18 +6279,13 @@
           <a:p>
             <a:pPr algn="ctr"/>
             <a:r>
-              <a:rPr lang="en-US" dirty="0" smtClean="0">
+              <a:rPr lang="en-US" dirty="0">
                 <a:solidFill>
                   <a:schemeClr val="tx1"/>
                 </a:solidFill>
               </a:rPr>
               <a:t>Need for a tighter-knit community</a:t>
             </a:r>
-            <a:endParaRPr lang="en-US" dirty="0">
-              <a:solidFill>
-                <a:schemeClr val="tx1"/>
-              </a:solidFill>
-            </a:endParaRPr>
           </a:p>
         </p:txBody>
       </p:sp>
@@ -6506,13 +6299,6 @@
   <p:clrMapOvr>
     <a:masterClrMapping/>
   </p:clrMapOvr>
-  <p:timing>
-    <p:tnLst>
-      <p:par>
-        <p:cTn id="1" dur="indefinite" restart="never" nodeType="tmRoot"/>
-      </p:par>
-    </p:tnLst>
-  </p:timing>
 </p:sld>
 </file>
 
@@ -6556,10 +6342,9 @@
           <a:lstStyle/>
           <a:p>
             <a:r>
-              <a:rPr lang="en-US" dirty="0" smtClean="0"/>
+              <a:rPr lang="en-US" dirty="0"/>
               <a:t>RPI Events is a web application that serves the RPI community by providing students, staff, and faculty with a centralized platform.</a:t>
             </a:r>
-            <a:endParaRPr lang="en-US" dirty="0"/>
           </a:p>
         </p:txBody>
       </p:sp>
@@ -6634,18 +6419,13 @@
           <a:lstStyle/>
           <a:p>
             <a:r>
-              <a:rPr lang="en-US" sz="4500" b="1" dirty="0" smtClean="0">
+              <a:rPr lang="en-US" sz="4500" b="1" dirty="0">
                 <a:solidFill>
                   <a:schemeClr val="bg1"/>
                 </a:solidFill>
               </a:rPr>
               <a:t>Solution</a:t>
             </a:r>
-            <a:endParaRPr lang="en-US" sz="4500" b="1" dirty="0">
-              <a:solidFill>
-                <a:schemeClr val="bg1"/>
-              </a:solidFill>
-            </a:endParaRPr>
           </a:p>
         </p:txBody>
       </p:sp>
@@ -6726,10 +6506,9 @@
             <a:p>
               <a:pPr algn="ctr"/>
               <a:r>
-                <a:rPr lang="en-US" sz="1600" dirty="0" smtClean="0"/>
+                <a:rPr lang="en-US" sz="1600" dirty="0"/>
                 <a:t>RPI Events</a:t>
               </a:r>
-              <a:endParaRPr lang="en-US" sz="1600" dirty="0"/>
             </a:p>
           </p:txBody>
         </p:sp>
@@ -6757,10 +6536,9 @@
             <a:p>
               <a:pPr algn="ctr"/>
               <a:r>
-                <a:rPr lang="en-US" sz="1600" dirty="0" smtClean="0"/>
+                <a:rPr lang="en-US" sz="1600" dirty="0"/>
                 <a:t>Sports</a:t>
               </a:r>
-              <a:endParaRPr lang="en-US" sz="1600" dirty="0"/>
             </a:p>
           </p:txBody>
         </p:sp>
@@ -6788,10 +6566,9 @@
             <a:p>
               <a:pPr algn="ctr"/>
               <a:r>
-                <a:rPr lang="en-US" sz="1600" dirty="0" smtClean="0"/>
+                <a:rPr lang="en-US" sz="1600" dirty="0"/>
                 <a:t>Dance</a:t>
               </a:r>
-              <a:endParaRPr lang="en-US" sz="1600" dirty="0"/>
             </a:p>
           </p:txBody>
         </p:sp>
@@ -6819,10 +6596,9 @@
             <a:p>
               <a:pPr algn="ctr"/>
               <a:r>
-                <a:rPr lang="en-US" sz="1600" dirty="0" smtClean="0"/>
+                <a:rPr lang="en-US" sz="1600" dirty="0"/>
                 <a:t>Food</a:t>
               </a:r>
-              <a:endParaRPr lang="en-US" sz="1600" dirty="0"/>
             </a:p>
           </p:txBody>
         </p:sp>
@@ -6850,10 +6626,9 @@
             <a:p>
               <a:pPr algn="ctr"/>
               <a:r>
-                <a:rPr lang="en-US" sz="1600" dirty="0" smtClean="0"/>
+                <a:rPr lang="en-US" sz="1600" dirty="0"/>
                 <a:t>Tabling</a:t>
               </a:r>
-              <a:endParaRPr lang="en-US" sz="1600" dirty="0"/>
             </a:p>
           </p:txBody>
         </p:sp>
@@ -6881,10 +6656,9 @@
             <a:p>
               <a:pPr algn="ctr"/>
               <a:r>
-                <a:rPr lang="en-US" sz="1500" dirty="0" smtClean="0"/>
+                <a:rPr lang="en-US" sz="1500" dirty="0"/>
                 <a:t>Concerts</a:t>
               </a:r>
-              <a:endParaRPr lang="en-US" sz="1500" dirty="0"/>
             </a:p>
           </p:txBody>
         </p:sp>
@@ -6912,10 +6686,9 @@
             <a:p>
               <a:pPr algn="ctr"/>
               <a:r>
-                <a:rPr lang="en-US" sz="1600" dirty="0" smtClean="0"/>
+                <a:rPr lang="en-US" sz="1600" dirty="0"/>
                 <a:t>Rush</a:t>
               </a:r>
-              <a:endParaRPr lang="en-US" sz="1600" dirty="0"/>
             </a:p>
           </p:txBody>
         </p:sp>
@@ -6943,10 +6716,9 @@
             <a:p>
               <a:pPr algn="ctr"/>
               <a:r>
-                <a:rPr lang="en-US" sz="1500" dirty="0" smtClean="0"/>
+                <a:rPr lang="en-US" sz="1500" dirty="0"/>
                 <a:t>Volunteer</a:t>
               </a:r>
-              <a:endParaRPr lang="en-US" sz="1500" dirty="0"/>
             </a:p>
           </p:txBody>
         </p:sp>
@@ -6974,10 +6746,9 @@
             <a:p>
               <a:pPr algn="ctr"/>
               <a:r>
-                <a:rPr lang="en-US" sz="1500" dirty="0" smtClean="0"/>
+                <a:rPr lang="en-US" sz="1500" dirty="0"/>
                 <a:t>Study groups</a:t>
               </a:r>
-              <a:endParaRPr lang="en-US" sz="1500" dirty="0"/>
             </a:p>
           </p:txBody>
         </p:sp>
@@ -6992,13 +6763,6 @@
   <p:clrMapOvr>
     <a:masterClrMapping/>
   </p:clrMapOvr>
-  <p:timing>
-    <p:tnLst>
-      <p:par>
-        <p:cTn id="1" dur="indefinite" restart="never" nodeType="tmRoot"/>
-      </p:par>
-    </p:tnLst>
-  </p:timing>
 </p:sld>
 </file>
 
@@ -7090,18 +6854,13 @@
           <a:lstStyle/>
           <a:p>
             <a:r>
-              <a:rPr lang="en-US" sz="4500" b="1" dirty="0" smtClean="0">
+              <a:rPr lang="en-US" sz="4500" b="1" dirty="0">
                 <a:solidFill>
                   <a:schemeClr val="bg1"/>
                 </a:solidFill>
               </a:rPr>
               <a:t>Stakeholders</a:t>
             </a:r>
-            <a:endParaRPr lang="en-US" sz="4500" b="1" dirty="0">
-              <a:solidFill>
-                <a:schemeClr val="bg1"/>
-              </a:solidFill>
-            </a:endParaRPr>
           </a:p>
         </p:txBody>
       </p:sp>
@@ -7153,31 +6912,19 @@
           <a:p>
             <a:pPr algn="ctr"/>
             <a:r>
-              <a:rPr lang="en-US" dirty="0" smtClean="0"/>
-              <a:t>Serves the RPI </a:t>
-            </a:r>
-            <a:r>
               <a:rPr lang="en-US" dirty="0"/>
-              <a:t>community by providing students/staff/faculty with a centralized platform on which they can post and browse for any events that are relevant to the RPI community in an organized manner. </a:t>
+              <a:t>Serves the RPI community by providing students/staff/faculty with a centralized platform on which they can post and browse for any events that are relevant to the RPI community in an organized manner. </a:t>
             </a:r>
           </a:p>
           <a:p>
             <a:pPr algn="ctr"/>
             <a:r>
-              <a:rPr lang="en-US" dirty="0" smtClean="0"/>
-              <a:t>The </a:t>
-            </a:r>
-            <a:r>
               <a:rPr lang="en-US" dirty="0"/>
-              <a:t>site will generate value for those seeking to advertise/promote their events, as well as for those looking for events to attend. </a:t>
+              <a:t>The site will generate value for those seeking to advertise/promote their events, as well as for those looking for events to attend. </a:t>
             </a:r>
           </a:p>
           <a:p>
             <a:pPr algn="ctr"/>
-            <a:r>
-              <a:rPr lang="en-US" dirty="0"/>
-              <a:t/>
-            </a:r>
             <a:br>
               <a:rPr lang="en-US" dirty="0"/>
             </a:br>
@@ -7195,13 +6942,6 @@
   <p:clrMapOvr>
     <a:masterClrMapping/>
   </p:clrMapOvr>
-  <p:timing>
-    <p:tnLst>
-      <p:par>
-        <p:cTn id="1" dur="indefinite" restart="never" nodeType="tmRoot"/>
-      </p:par>
-    </p:tnLst>
-  </p:timing>
 </p:sld>
 </file>
 
@@ -7293,18 +7033,13 @@
           <a:lstStyle/>
           <a:p>
             <a:r>
-              <a:rPr lang="en-US" sz="4500" b="1" dirty="0" smtClean="0">
+              <a:rPr lang="en-US" sz="4500" b="1" dirty="0">
                 <a:solidFill>
                   <a:schemeClr val="bg1"/>
                 </a:solidFill>
               </a:rPr>
               <a:t>Features</a:t>
             </a:r>
-            <a:endParaRPr lang="en-US" sz="4500" b="1" dirty="0">
-              <a:solidFill>
-                <a:schemeClr val="bg1"/>
-              </a:solidFill>
-            </a:endParaRPr>
           </a:p>
         </p:txBody>
       </p:sp>
@@ -7391,18 +7126,13 @@
             <a:p>
               <a:pPr algn="ctr"/>
               <a:r>
-                <a:rPr lang="en-US" dirty="0" smtClean="0">
+                <a:rPr lang="en-US" dirty="0">
                   <a:solidFill>
                     <a:schemeClr val="tx1"/>
                   </a:solidFill>
                 </a:rPr>
                 <a:t>View upcoming events</a:t>
               </a:r>
-              <a:endParaRPr lang="en-US" dirty="0">
-                <a:solidFill>
-                  <a:schemeClr val="tx1"/>
-                </a:solidFill>
-              </a:endParaRPr>
             </a:p>
           </p:txBody>
         </p:sp>
@@ -7453,18 +7183,13 @@
             <a:p>
               <a:pPr algn="ctr"/>
               <a:r>
-                <a:rPr lang="en-US" dirty="0" smtClean="0">
+                <a:rPr lang="en-US" dirty="0">
                   <a:solidFill>
                     <a:schemeClr val="tx1"/>
                   </a:solidFill>
                 </a:rPr>
                 <a:t>Create account</a:t>
               </a:r>
-              <a:endParaRPr lang="en-US" dirty="0">
-                <a:solidFill>
-                  <a:schemeClr val="tx1"/>
-                </a:solidFill>
-              </a:endParaRPr>
             </a:p>
           </p:txBody>
         </p:sp>
@@ -7515,18 +7240,13 @@
             <a:p>
               <a:pPr algn="ctr"/>
               <a:r>
-                <a:rPr lang="en-US" dirty="0" smtClean="0">
+                <a:rPr lang="en-US" dirty="0">
                   <a:solidFill>
                     <a:schemeClr val="bg1"/>
                   </a:solidFill>
                 </a:rPr>
                 <a:t>Search existing events</a:t>
               </a:r>
-              <a:endParaRPr lang="en-US" dirty="0">
-                <a:solidFill>
-                  <a:schemeClr val="bg1"/>
-                </a:solidFill>
-              </a:endParaRPr>
             </a:p>
           </p:txBody>
         </p:sp>
@@ -7577,18 +7297,13 @@
             <a:p>
               <a:pPr algn="ctr"/>
               <a:r>
-                <a:rPr lang="en-US" dirty="0" smtClean="0">
+                <a:rPr lang="en-US" dirty="0">
                   <a:solidFill>
                     <a:schemeClr val="tx1"/>
                   </a:solidFill>
                 </a:rPr>
                 <a:t>Create new events</a:t>
               </a:r>
-              <a:endParaRPr lang="en-US" dirty="0">
-                <a:solidFill>
-                  <a:schemeClr val="tx1"/>
-                </a:solidFill>
-              </a:endParaRPr>
             </a:p>
           </p:txBody>
         </p:sp>
@@ -7637,18 +7352,13 @@
             <a:p>
               <a:pPr algn="ctr"/>
               <a:r>
-                <a:rPr lang="en-US" dirty="0" smtClean="0">
+                <a:rPr lang="en-US" dirty="0">
                   <a:solidFill>
                     <a:schemeClr val="tx1"/>
                   </a:solidFill>
                 </a:rPr>
                 <a:t>Save interested events</a:t>
               </a:r>
-              <a:endParaRPr lang="en-US" dirty="0">
-                <a:solidFill>
-                  <a:schemeClr val="tx1"/>
-                </a:solidFill>
-              </a:endParaRPr>
             </a:p>
           </p:txBody>
         </p:sp>
@@ -7808,13 +7518,6 @@
   <p:clrMapOvr>
     <a:masterClrMapping/>
   </p:clrMapOvr>
-  <p:timing>
-    <p:tnLst>
-      <p:par>
-        <p:cTn id="1" dur="indefinite" restart="never" nodeType="tmRoot"/>
-      </p:par>
-    </p:tnLst>
-  </p:timing>
 </p:sld>
 </file>
 
@@ -7932,18 +7635,13 @@
           <a:lstStyle/>
           <a:p>
             <a:r>
-              <a:rPr lang="en-US" sz="4500" b="1" dirty="0" smtClean="0">
+              <a:rPr lang="en-US" sz="4500" b="1" dirty="0">
                 <a:solidFill>
                   <a:schemeClr val="bg1"/>
                 </a:solidFill>
               </a:rPr>
               <a:t>Demo</a:t>
             </a:r>
-            <a:endParaRPr lang="en-US" sz="4500" b="1" dirty="0">
-              <a:solidFill>
-                <a:schemeClr val="bg1"/>
-              </a:solidFill>
-            </a:endParaRPr>
           </a:p>
         </p:txBody>
       </p:sp>
@@ -7957,13 +7655,6 @@
   <p:clrMapOvr>
     <a:masterClrMapping/>
   </p:clrMapOvr>
-  <p:timing>
-    <p:tnLst>
-      <p:par>
-        <p:cTn id="1" dur="indefinite" restart="never" nodeType="tmRoot"/>
-      </p:par>
-    </p:tnLst>
-  </p:timing>
 </p:sld>
 </file>
 
@@ -8081,18 +7772,13 @@
           <a:lstStyle/>
           <a:p>
             <a:r>
-              <a:rPr lang="en-US" sz="4500" b="1" dirty="0" smtClean="0">
+              <a:rPr lang="en-US" sz="4500" b="1" dirty="0">
                 <a:solidFill>
                   <a:schemeClr val="bg1"/>
                 </a:solidFill>
               </a:rPr>
               <a:t>Frontend</a:t>
             </a:r>
-            <a:endParaRPr lang="en-US" sz="4500" b="1" dirty="0">
-              <a:solidFill>
-                <a:schemeClr val="bg1"/>
-              </a:solidFill>
-            </a:endParaRPr>
           </a:p>
         </p:txBody>
       </p:sp>
@@ -8120,7 +7806,7 @@
           <a:p>
             <a:pPr algn="ctr"/>
             <a:r>
-              <a:rPr lang="en-US" sz="1600" dirty="0" smtClean="0">
+              <a:rPr lang="en-US" sz="1600" dirty="0">
                 <a:solidFill>
                   <a:schemeClr val="bg1"/>
                 </a:solidFill>
@@ -8131,18 +7817,13 @@
           <a:p>
             <a:pPr algn="ctr"/>
             <a:r>
-              <a:rPr lang="en-US" sz="1600" dirty="0" smtClean="0">
+              <a:rPr lang="en-US" sz="1600" dirty="0">
                 <a:solidFill>
                   <a:schemeClr val="bg1"/>
                 </a:solidFill>
               </a:rPr>
               <a:t>Harman Singh</a:t>
             </a:r>
-            <a:endParaRPr lang="en-US" sz="1600" dirty="0">
-              <a:solidFill>
-                <a:schemeClr val="bg1"/>
-              </a:solidFill>
-            </a:endParaRPr>
           </a:p>
         </p:txBody>
       </p:sp>
@@ -8156,13 +7837,6 @@
   <p:clrMapOvr>
     <a:masterClrMapping/>
   </p:clrMapOvr>
-  <p:timing>
-    <p:tnLst>
-      <p:par>
-        <p:cTn id="1" dur="indefinite" restart="never" nodeType="tmRoot"/>
-      </p:par>
-    </p:tnLst>
-  </p:timing>
 </p:sld>
 </file>
 
@@ -8295,18 +7969,13 @@
           <a:lstStyle/>
           <a:p>
             <a:r>
-              <a:rPr lang="en-US" sz="4500" b="1" dirty="0" smtClean="0">
+              <a:rPr lang="en-US" sz="4500" b="1" dirty="0">
                 <a:solidFill>
                   <a:schemeClr val="bg1"/>
                 </a:solidFill>
               </a:rPr>
               <a:t>Site Map</a:t>
             </a:r>
-            <a:endParaRPr lang="en-US" sz="4500" b="1" dirty="0">
-              <a:solidFill>
-                <a:schemeClr val="bg1"/>
-              </a:solidFill>
-            </a:endParaRPr>
           </a:p>
         </p:txBody>
       </p:sp>
@@ -8320,13 +7989,6 @@
   <p:clrMapOvr>
     <a:masterClrMapping/>
   </p:clrMapOvr>
-  <p:timing>
-    <p:tnLst>
-      <p:par>
-        <p:cTn id="1" dur="indefinite" restart="never" nodeType="tmRoot"/>
-      </p:par>
-    </p:tnLst>
-  </p:timing>
 </p:sld>
 </file>
 
